--- a/PDS-INFO-2-G1.pptx
+++ b/PDS-INFO-2-G1.pptx
@@ -64,7 +64,7 @@
         <p:spPr>
           <a:xfrm>
             <a:off x="2467080" y="14563440"/>
-            <a:ext cx="27964800" cy="7274880"/>
+            <a:ext cx="27964440" cy="7274520"/>
           </a:xfrm>
           <a:prstGeom prst="rect">
             <a:avLst/>
@@ -93,7 +93,7 @@
         <p:spPr>
           <a:xfrm>
             <a:off x="1644840" y="10193400"/>
-            <a:ext cx="29608920" cy="12051720"/>
+            <a:ext cx="29608560" cy="12051360"/>
           </a:xfrm>
           <a:prstGeom prst="rect">
             <a:avLst/>
@@ -122,8 +122,8 @@
         </p:nvSpPr>
         <p:spPr>
           <a:xfrm>
-            <a:off x="1644840" y="23390280"/>
-            <a:ext cx="29608920" cy="12051720"/>
+            <a:off x="1644840" y="23389920"/>
+            <a:ext cx="29608560" cy="12051360"/>
           </a:xfrm>
           <a:prstGeom prst="rect">
             <a:avLst/>
@@ -175,7 +175,7 @@
         <p:spPr>
           <a:xfrm>
             <a:off x="2467080" y="14563440"/>
-            <a:ext cx="27964800" cy="7274880"/>
+            <a:ext cx="27964440" cy="7274520"/>
           </a:xfrm>
           <a:prstGeom prst="rect">
             <a:avLst/>
@@ -204,7 +204,7 @@
         <p:spPr>
           <a:xfrm>
             <a:off x="1644840" y="10193400"/>
-            <a:ext cx="14448960" cy="12051720"/>
+            <a:ext cx="14448960" cy="12051360"/>
           </a:xfrm>
           <a:prstGeom prst="rect">
             <a:avLst/>
@@ -234,7 +234,7 @@
         <p:spPr>
           <a:xfrm>
             <a:off x="16816680" y="10193400"/>
-            <a:ext cx="14448960" cy="12051720"/>
+            <a:ext cx="14448960" cy="12051360"/>
           </a:xfrm>
           <a:prstGeom prst="rect">
             <a:avLst/>
@@ -263,8 +263,8 @@
         </p:nvSpPr>
         <p:spPr>
           <a:xfrm>
-            <a:off x="1644840" y="23390280"/>
-            <a:ext cx="14448960" cy="12051720"/>
+            <a:off x="1644840" y="23389920"/>
+            <a:ext cx="14448960" cy="12051360"/>
           </a:xfrm>
           <a:prstGeom prst="rect">
             <a:avLst/>
@@ -293,8 +293,8 @@
         </p:nvSpPr>
         <p:spPr>
           <a:xfrm>
-            <a:off x="16816680" y="23390280"/>
-            <a:ext cx="14448960" cy="12051720"/>
+            <a:off x="16816680" y="23389920"/>
+            <a:ext cx="14448960" cy="12051360"/>
           </a:xfrm>
           <a:prstGeom prst="rect">
             <a:avLst/>
@@ -346,7 +346,7 @@
         <p:spPr>
           <a:xfrm>
             <a:off x="2467080" y="14563440"/>
-            <a:ext cx="27964800" cy="7274880"/>
+            <a:ext cx="27964440" cy="7274520"/>
           </a:xfrm>
           <a:prstGeom prst="rect">
             <a:avLst/>
@@ -375,7 +375,7 @@
         <p:spPr>
           <a:xfrm>
             <a:off x="1644840" y="10193400"/>
-            <a:ext cx="9533880" cy="12051720"/>
+            <a:ext cx="9533880" cy="12051360"/>
           </a:xfrm>
           <a:prstGeom prst="rect">
             <a:avLst/>
@@ -405,7 +405,7 @@
         <p:spPr>
           <a:xfrm>
             <a:off x="11655720" y="10193400"/>
-            <a:ext cx="9533880" cy="12051720"/>
+            <a:ext cx="9533880" cy="12051360"/>
           </a:xfrm>
           <a:prstGeom prst="rect">
             <a:avLst/>
@@ -435,7 +435,7 @@
         <p:spPr>
           <a:xfrm>
             <a:off x="21666600" y="10193400"/>
-            <a:ext cx="9533880" cy="12051720"/>
+            <a:ext cx="9533880" cy="12051360"/>
           </a:xfrm>
           <a:prstGeom prst="rect">
             <a:avLst/>
@@ -464,8 +464,8 @@
         </p:nvSpPr>
         <p:spPr>
           <a:xfrm>
-            <a:off x="1644840" y="23390280"/>
-            <a:ext cx="9533880" cy="12051720"/>
+            <a:off x="1644840" y="23389920"/>
+            <a:ext cx="9533880" cy="12051360"/>
           </a:xfrm>
           <a:prstGeom prst="rect">
             <a:avLst/>
@@ -494,8 +494,8 @@
         </p:nvSpPr>
         <p:spPr>
           <a:xfrm>
-            <a:off x="11655720" y="23390280"/>
-            <a:ext cx="9533880" cy="12051720"/>
+            <a:off x="11655720" y="23389920"/>
+            <a:ext cx="9533880" cy="12051360"/>
           </a:xfrm>
           <a:prstGeom prst="rect">
             <a:avLst/>
@@ -524,8 +524,8 @@
         </p:nvSpPr>
         <p:spPr>
           <a:xfrm>
-            <a:off x="21666600" y="23390280"/>
-            <a:ext cx="9533880" cy="12051720"/>
+            <a:off x="21666600" y="23389920"/>
+            <a:ext cx="9533880" cy="12051360"/>
           </a:xfrm>
           <a:prstGeom prst="rect">
             <a:avLst/>
@@ -577,7 +577,7 @@
         <p:spPr>
           <a:xfrm>
             <a:off x="2467080" y="14563440"/>
-            <a:ext cx="27964800" cy="7274880"/>
+            <a:ext cx="27964440" cy="7274520"/>
           </a:xfrm>
           <a:prstGeom prst="rect">
             <a:avLst/>
@@ -606,7 +606,7 @@
         <p:spPr>
           <a:xfrm>
             <a:off x="1644840" y="10193400"/>
-            <a:ext cx="29608920" cy="25265880"/>
+            <a:ext cx="29608560" cy="25265520"/>
           </a:xfrm>
           <a:prstGeom prst="rect">
             <a:avLst/>
@@ -657,7 +657,7 @@
         <p:spPr>
           <a:xfrm>
             <a:off x="2467080" y="14563440"/>
-            <a:ext cx="27964800" cy="7274880"/>
+            <a:ext cx="27964440" cy="7274520"/>
           </a:xfrm>
           <a:prstGeom prst="rect">
             <a:avLst/>
@@ -686,7 +686,7 @@
         <p:spPr>
           <a:xfrm>
             <a:off x="1644840" y="10193400"/>
-            <a:ext cx="29608920" cy="25265880"/>
+            <a:ext cx="29608560" cy="25265520"/>
           </a:xfrm>
           <a:prstGeom prst="rect">
             <a:avLst/>
@@ -738,7 +738,7 @@
         <p:spPr>
           <a:xfrm>
             <a:off x="2467080" y="14563440"/>
-            <a:ext cx="27964800" cy="7274880"/>
+            <a:ext cx="27964440" cy="7274520"/>
           </a:xfrm>
           <a:prstGeom prst="rect">
             <a:avLst/>
@@ -767,7 +767,7 @@
         <p:spPr>
           <a:xfrm>
             <a:off x="1644840" y="10193400"/>
-            <a:ext cx="14448960" cy="25265880"/>
+            <a:ext cx="14448960" cy="25265520"/>
           </a:xfrm>
           <a:prstGeom prst="rect">
             <a:avLst/>
@@ -797,7 +797,7 @@
         <p:spPr>
           <a:xfrm>
             <a:off x="16816680" y="10193400"/>
-            <a:ext cx="14448960" cy="25265880"/>
+            <a:ext cx="14448960" cy="25265520"/>
           </a:xfrm>
           <a:prstGeom prst="rect">
             <a:avLst/>
@@ -849,7 +849,7 @@
         <p:spPr>
           <a:xfrm>
             <a:off x="2467080" y="14563440"/>
-            <a:ext cx="27964800" cy="7274880"/>
+            <a:ext cx="27964440" cy="7274520"/>
           </a:xfrm>
           <a:prstGeom prst="rect">
             <a:avLst/>
@@ -900,7 +900,7 @@
         <p:spPr>
           <a:xfrm>
             <a:off x="2467080" y="14563440"/>
-            <a:ext cx="27964800" cy="33723360"/>
+            <a:ext cx="27964440" cy="33721560"/>
           </a:xfrm>
           <a:prstGeom prst="rect">
             <a:avLst/>
@@ -951,7 +951,7 @@
         <p:spPr>
           <a:xfrm>
             <a:off x="2467080" y="14563440"/>
-            <a:ext cx="27964800" cy="7274880"/>
+            <a:ext cx="27964440" cy="7274520"/>
           </a:xfrm>
           <a:prstGeom prst="rect">
             <a:avLst/>
@@ -980,7 +980,7 @@
         <p:spPr>
           <a:xfrm>
             <a:off x="1644840" y="10193400"/>
-            <a:ext cx="14448960" cy="12051720"/>
+            <a:ext cx="14448960" cy="12051360"/>
           </a:xfrm>
           <a:prstGeom prst="rect">
             <a:avLst/>
@@ -1010,7 +1010,7 @@
         <p:spPr>
           <a:xfrm>
             <a:off x="16816680" y="10193400"/>
-            <a:ext cx="14448960" cy="25265880"/>
+            <a:ext cx="14448960" cy="25265520"/>
           </a:xfrm>
           <a:prstGeom prst="rect">
             <a:avLst/>
@@ -1039,8 +1039,8 @@
         </p:nvSpPr>
         <p:spPr>
           <a:xfrm>
-            <a:off x="1644840" y="23390280"/>
-            <a:ext cx="14448960" cy="12051720"/>
+            <a:off x="1644840" y="23389920"/>
+            <a:ext cx="14448960" cy="12051360"/>
           </a:xfrm>
           <a:prstGeom prst="rect">
             <a:avLst/>
@@ -1092,7 +1092,7 @@
         <p:spPr>
           <a:xfrm>
             <a:off x="2467080" y="14563440"/>
-            <a:ext cx="27964800" cy="7274880"/>
+            <a:ext cx="27964440" cy="7274520"/>
           </a:xfrm>
           <a:prstGeom prst="rect">
             <a:avLst/>
@@ -1121,7 +1121,7 @@
         <p:spPr>
           <a:xfrm>
             <a:off x="1644840" y="10193400"/>
-            <a:ext cx="14448960" cy="25265880"/>
+            <a:ext cx="14448960" cy="25265520"/>
           </a:xfrm>
           <a:prstGeom prst="rect">
             <a:avLst/>
@@ -1151,7 +1151,7 @@
         <p:spPr>
           <a:xfrm>
             <a:off x="16816680" y="10193400"/>
-            <a:ext cx="14448960" cy="12051720"/>
+            <a:ext cx="14448960" cy="12051360"/>
           </a:xfrm>
           <a:prstGeom prst="rect">
             <a:avLst/>
@@ -1180,8 +1180,8 @@
         </p:nvSpPr>
         <p:spPr>
           <a:xfrm>
-            <a:off x="16816680" y="23390280"/>
-            <a:ext cx="14448960" cy="12051720"/>
+            <a:off x="16816680" y="23389920"/>
+            <a:ext cx="14448960" cy="12051360"/>
           </a:xfrm>
           <a:prstGeom prst="rect">
             <a:avLst/>
@@ -1233,7 +1233,7 @@
         <p:spPr>
           <a:xfrm>
             <a:off x="2467080" y="14563440"/>
-            <a:ext cx="27964800" cy="7274880"/>
+            <a:ext cx="27964440" cy="7274520"/>
           </a:xfrm>
           <a:prstGeom prst="rect">
             <a:avLst/>
@@ -1262,7 +1262,7 @@
         <p:spPr>
           <a:xfrm>
             <a:off x="1644840" y="10193400"/>
-            <a:ext cx="14448960" cy="12051720"/>
+            <a:ext cx="14448960" cy="12051360"/>
           </a:xfrm>
           <a:prstGeom prst="rect">
             <a:avLst/>
@@ -1292,7 +1292,7 @@
         <p:spPr>
           <a:xfrm>
             <a:off x="16816680" y="10193400"/>
-            <a:ext cx="14448960" cy="12051720"/>
+            <a:ext cx="14448960" cy="12051360"/>
           </a:xfrm>
           <a:prstGeom prst="rect">
             <a:avLst/>
@@ -1321,8 +1321,8 @@
         </p:nvSpPr>
         <p:spPr>
           <a:xfrm>
-            <a:off x="1644840" y="23390280"/>
-            <a:ext cx="29608920" cy="12051720"/>
+            <a:off x="1644840" y="23389920"/>
+            <a:ext cx="29608560" cy="12051360"/>
           </a:xfrm>
           <a:prstGeom prst="rect">
             <a:avLst/>
@@ -1381,7 +1381,7 @@
         <p:spPr>
           <a:xfrm>
             <a:off x="2467080" y="14563440"/>
-            <a:ext cx="27964800" cy="7274880"/>
+            <a:ext cx="27964440" cy="7274520"/>
           </a:xfrm>
           <a:prstGeom prst="rect">
             <a:avLst/>
@@ -1415,7 +1415,7 @@
         <p:spPr>
           <a:xfrm>
             <a:off x="1644840" y="10193400"/>
-            <a:ext cx="29608920" cy="25265880"/>
+            <a:ext cx="29608560" cy="25265520"/>
           </a:xfrm>
           <a:prstGeom prst="rect">
             <a:avLst/>
@@ -1438,12 +1438,12 @@
               <a:buChar char=""/>
             </a:pPr>
             <a:r>
-              <a:rPr b="0" lang="fr-BE" sz="3200" spc="-1" strike="noStrike">
+              <a:rPr b="0" lang="fr-BE" sz="1800" spc="-1" strike="noStrike">
                 <a:latin typeface="Arial"/>
               </a:rPr>
               <a:t>Click to edit the outline text format</a:t>
             </a:r>
-            <a:endParaRPr b="0" lang="fr-BE" sz="3200" spc="-1" strike="noStrike">
+            <a:endParaRPr b="0" lang="fr-BE" sz="1800" spc="-1" strike="noStrike">
               <a:latin typeface="Arial"/>
             </a:endParaRPr>
           </a:p>
@@ -1460,12 +1460,12 @@
               <a:buChar char=""/>
             </a:pPr>
             <a:r>
-              <a:rPr b="0" lang="fr-BE" sz="2800" spc="-1" strike="noStrike">
+              <a:rPr b="0" lang="fr-BE" sz="1800" spc="-1" strike="noStrike">
                 <a:latin typeface="Arial"/>
               </a:rPr>
               <a:t>Second Outline Level</a:t>
             </a:r>
-            <a:endParaRPr b="0" lang="fr-BE" sz="2800" spc="-1" strike="noStrike">
+            <a:endParaRPr b="0" lang="fr-BE" sz="1800" spc="-1" strike="noStrike">
               <a:latin typeface="Arial"/>
             </a:endParaRPr>
           </a:p>
@@ -1482,12 +1482,12 @@
               <a:buChar char=""/>
             </a:pPr>
             <a:r>
-              <a:rPr b="0" lang="fr-BE" sz="2400" spc="-1" strike="noStrike">
+              <a:rPr b="0" lang="fr-BE" sz="1800" spc="-1" strike="noStrike">
                 <a:latin typeface="Arial"/>
               </a:rPr>
               <a:t>Third Outline Level</a:t>
             </a:r>
-            <a:endParaRPr b="0" lang="fr-BE" sz="2400" spc="-1" strike="noStrike">
+            <a:endParaRPr b="0" lang="fr-BE" sz="1800" spc="-1" strike="noStrike">
               <a:latin typeface="Arial"/>
             </a:endParaRPr>
           </a:p>
@@ -1504,12 +1504,12 @@
               <a:buChar char=""/>
             </a:pPr>
             <a:r>
-              <a:rPr b="0" lang="fr-BE" sz="2000" spc="-1" strike="noStrike">
+              <a:rPr b="0" lang="fr-BE" sz="1800" spc="-1" strike="noStrike">
                 <a:latin typeface="Arial"/>
               </a:rPr>
               <a:t>Fourth Outline Level</a:t>
             </a:r>
-            <a:endParaRPr b="0" lang="fr-BE" sz="2000" spc="-1" strike="noStrike">
+            <a:endParaRPr b="0" lang="fr-BE" sz="1800" spc="-1" strike="noStrike">
               <a:latin typeface="Arial"/>
             </a:endParaRPr>
           </a:p>
@@ -1526,12 +1526,12 @@
               <a:buChar char=""/>
             </a:pPr>
             <a:r>
-              <a:rPr b="0" lang="fr-BE" sz="2000" spc="-1" strike="noStrike">
+              <a:rPr b="0" lang="fr-BE" sz="1800" spc="-1" strike="noStrike">
                 <a:latin typeface="Arial"/>
               </a:rPr>
               <a:t>Fifth Outline Level</a:t>
             </a:r>
-            <a:endParaRPr b="0" lang="fr-BE" sz="2000" spc="-1" strike="noStrike">
+            <a:endParaRPr b="0" lang="fr-BE" sz="1800" spc="-1" strike="noStrike">
               <a:latin typeface="Arial"/>
             </a:endParaRPr>
           </a:p>
@@ -1548,12 +1548,12 @@
               <a:buChar char=""/>
             </a:pPr>
             <a:r>
-              <a:rPr b="0" lang="fr-BE" sz="2000" spc="-1" strike="noStrike">
+              <a:rPr b="0" lang="fr-BE" sz="1800" spc="-1" strike="noStrike">
                 <a:latin typeface="Arial"/>
               </a:rPr>
               <a:t>Sixth Outline Level</a:t>
             </a:r>
-            <a:endParaRPr b="0" lang="fr-BE" sz="2000" spc="-1" strike="noStrike">
+            <a:endParaRPr b="0" lang="fr-BE" sz="1800" spc="-1" strike="noStrike">
               <a:latin typeface="Arial"/>
             </a:endParaRPr>
           </a:p>
@@ -1570,12 +1570,12 @@
               <a:buChar char=""/>
             </a:pPr>
             <a:r>
-              <a:rPr b="0" lang="fr-BE" sz="2000" spc="-1" strike="noStrike">
+              <a:rPr b="0" lang="fr-BE" sz="1800" spc="-1" strike="noStrike">
                 <a:latin typeface="Arial"/>
               </a:rPr>
               <a:t>Seventh Outline Level</a:t>
             </a:r>
-            <a:endParaRPr b="0" lang="fr-BE" sz="2000" spc="-1" strike="noStrike">
+            <a:endParaRPr b="0" lang="fr-BE" sz="1800" spc="-1" strike="noStrike">
               <a:latin typeface="Arial"/>
             </a:endParaRPr>
           </a:p>
@@ -1627,7 +1627,7 @@
         <p:spPr>
           <a:xfrm>
             <a:off x="2326680" y="5616000"/>
-            <a:ext cx="30216960" cy="7950960"/>
+            <a:ext cx="30216600" cy="7950600"/>
           </a:xfrm>
           <a:prstGeom prst="rect">
             <a:avLst/>
@@ -1679,47 +1679,7 @@
                 <a:latin typeface="Arial"/>
                 <a:ea typeface="ＭＳ Ｐゴシック"/>
               </a:rPr>
-              <a:t>Il existe de nombreux modèles qui permettent de simuler une épidémie. Nous présentons ici 6 modèles.</a:t>
-            </a:r>
-            <a:endParaRPr b="0" lang="fr-BE" sz="5000" spc="-1" strike="noStrike">
-              <a:latin typeface="Arial"/>
-            </a:endParaRPr>
-          </a:p>
-          <a:p>
-            <a:pPr>
-              <a:lnSpc>
-                <a:spcPct val="150000"/>
-              </a:lnSpc>
-            </a:pPr>
-            <a:r>
-              <a:rPr b="1" lang="fr-BE" sz="4400" spc="-1" strike="noStrike">
-                <a:solidFill>
-                  <a:srgbClr val="92d050"/>
-                </a:solidFill>
-                <a:latin typeface="Arial"/>
-                <a:ea typeface="ＭＳ Ｐゴシック"/>
-              </a:rPr>
-              <a:t>Représentation d’un modèle</a:t>
-            </a:r>
-            <a:endParaRPr b="0" lang="fr-BE" sz="4400" spc="-1" strike="noStrike">
-              <a:latin typeface="Arial"/>
-            </a:endParaRPr>
-          </a:p>
-          <a:p>
-            <a:pPr>
-              <a:lnSpc>
-                <a:spcPct val="150000"/>
-              </a:lnSpc>
-            </a:pPr>
-            <a:r>
-              <a:rPr b="0" lang="fr-BE" sz="5000" spc="-1" strike="noStrike">
-                <a:solidFill>
-                  <a:srgbClr val="000000"/>
-                </a:solidFill>
-                <a:latin typeface="Arial"/>
-                <a:ea typeface="ＭＳ Ｐゴシック"/>
-              </a:rPr>
-              <a:t>Un modèle est représenté par les différents états possibles d’une personne. Nous présentons ici les modèles sous forme de graphe, chaque nœud est l’état d’une personne, et les arcs sont les transitions possibles (ayant pour poids une probabilité de cette transition). Le modèle le plus simple est le modèle « SIS », une personne est saine, ou infectée, avec possibilité de passer d’un état à l ‘autre.</a:t>
+              <a:t>Il existe de nombreux modèles qui permettent de simuler une épidémie. Nous présentons ici 6 modèles compartimentaux. Un tel modèle est représenté par les différents états possibles d’une personne. Nous présentons ici les modèles sous forme de graphe, chaque nœud est l’état d’une personne, et les arcs sont les transitions possibles (ayant pour poids une probabilité de cette transition). Un modèle assez simple et intuitif est le modèle « SIS », une personne est saine, ou infectée, avec possibilité de passer d’un état à l ‘autre.</a:t>
             </a:r>
             <a:endParaRPr b="0" lang="fr-BE" sz="5000" spc="-1" strike="noStrike">
               <a:latin typeface="Arial"/>
@@ -1735,8 +1695,8 @@
         </p:nvSpPr>
         <p:spPr>
           <a:xfrm rot="16200000">
-            <a:off x="-21167280" y="21131640"/>
-            <a:ext cx="43627680" cy="1312200"/>
+            <a:off x="-21167280" y="21132000"/>
+            <a:ext cx="43627320" cy="1311840"/>
           </a:xfrm>
           <a:prstGeom prst="rect">
             <a:avLst/>
@@ -1814,7 +1774,7 @@
         <p:spPr>
           <a:xfrm>
             <a:off x="30203640" y="40878000"/>
-            <a:ext cx="2607480" cy="2607480"/>
+            <a:ext cx="2607120" cy="2607120"/>
           </a:xfrm>
           <a:prstGeom prst="rect">
             <a:avLst/>
@@ -1837,7 +1797,7 @@
         <p:spPr>
           <a:xfrm>
             <a:off x="25725600" y="40611600"/>
-            <a:ext cx="4261680" cy="2986920"/>
+            <a:ext cx="4261320" cy="2986560"/>
           </a:xfrm>
           <a:prstGeom prst="rect">
             <a:avLst/>
@@ -1856,7 +1816,7 @@
         <p:spPr>
           <a:xfrm>
             <a:off x="1832040" y="42858000"/>
-            <a:ext cx="21966840" cy="958320"/>
+            <a:ext cx="21966480" cy="957960"/>
           </a:xfrm>
           <a:prstGeom prst="rect">
             <a:avLst/>
@@ -1926,7 +1886,7 @@
         <p:spPr>
           <a:xfrm>
             <a:off x="8286840" y="20815560"/>
-            <a:ext cx="18603360" cy="2833200"/>
+            <a:ext cx="18603000" cy="2832840"/>
           </a:xfrm>
           <a:prstGeom prst="rect">
             <a:avLst/>
@@ -1952,7 +1912,7 @@
         <p:spPr>
           <a:xfrm>
             <a:off x="15151320" y="820800"/>
-            <a:ext cx="17668800" cy="821160"/>
+            <a:ext cx="17668440" cy="820800"/>
           </a:xfrm>
           <a:prstGeom prst="rect">
             <a:avLst/>
@@ -2008,7 +1968,7 @@
         <p:spPr>
           <a:xfrm>
             <a:off x="2202120" y="918360"/>
-            <a:ext cx="4887360" cy="4887360"/>
+            <a:ext cx="4887000" cy="4887000"/>
           </a:xfrm>
           <a:prstGeom prst="rect">
             <a:avLst/>
@@ -2026,8 +1986,8 @@
         </p:nvSpPr>
         <p:spPr>
           <a:xfrm>
-            <a:off x="20520000" y="14328000"/>
-            <a:ext cx="12000960" cy="25090920"/>
+            <a:off x="20520000" y="12744000"/>
+            <a:ext cx="12000600" cy="26674560"/>
           </a:xfrm>
           <a:prstGeom prst="rect">
             <a:avLst/>
@@ -2079,18 +2039,8 @@
                 <a:latin typeface="Arial"/>
                 <a:ea typeface="ＭＳ Ｐゴシック"/>
               </a:rPr>
-              <a:t>Le choix d’un modèle n’est pas suffisant pour simuler une épidémie, il faut en plus définir un certain nombre de paramètres. Nous pouvons séparer ces paramètres en 2 catégories : </a:t>
+              <a:t>Le choix d’un modèle n’est pas suffisant pour simuler une épidémie, il faut en plus définir un certain nombre de paramètres. Nous pouvons séparer ces paramètres en 2 catégories : Les paramètres initiaux indiquent le nombre de personnes dans chaque état à l’instant initial . Les probabilités de passer d’un état a un autre</a:t>
             </a:r>
-            <a:endParaRPr b="0" lang="fr-BE" sz="5000" spc="-1" strike="noStrike">
-              <a:latin typeface="Arial"/>
-            </a:endParaRPr>
-          </a:p>
-          <a:p>
-            <a:pPr>
-              <a:lnSpc>
-                <a:spcPct val="150000"/>
-              </a:lnSpc>
-            </a:pPr>
             <a:endParaRPr b="0" lang="fr-BE" sz="5000" spc="-1" strike="noStrike">
               <a:latin typeface="Arial"/>
             </a:endParaRPr>
@@ -2109,28 +2059,8 @@
                 <a:latin typeface="Arial"/>
                 <a:ea typeface="ＭＳ Ｐゴシック"/>
               </a:rPr>
-              <a:t>Les paramètres initiaux indiquent le nombre de personnes dans chaque état à l’instant initial . Exemple : avec le modèle « SIS » nous pouvons simuler le cas ou il y à initialement 999 personnes saines et une personne infectée (et donc, dans une population totale de 1000 personnes).</a:t>
+              <a:t>Exemple : avec le modèle « SIR » nous pouvons simuler le cas ou il y à initialement 999 personnes saines, une personne infectée et 0 personnes rétablies (et donc, dans une population totale de 1000 personnes). S</a:t>
             </a:r>
-            <a:endParaRPr b="0" lang="fr-BE" sz="5000" spc="-1" strike="noStrike">
-              <a:latin typeface="Arial"/>
-            </a:endParaRPr>
-          </a:p>
-          <a:p>
-            <a:pPr>
-              <a:lnSpc>
-                <a:spcPct val="150000"/>
-              </a:lnSpc>
-            </a:pPr>
-            <a:endParaRPr b="0" lang="fr-BE" sz="5000" spc="-1" strike="noStrike">
-              <a:latin typeface="Arial"/>
-            </a:endParaRPr>
-          </a:p>
-          <a:p>
-            <a:pPr>
-              <a:lnSpc>
-                <a:spcPct val="150000"/>
-              </a:lnSpc>
-            </a:pPr>
             <a:r>
               <a:rPr b="0" lang="fr-BE" sz="5000" spc="-1" strike="noStrike">
                 <a:solidFill>
@@ -2139,8 +2069,18 @@
                 <a:latin typeface="Arial"/>
                 <a:ea typeface="ＭＳ Ｐゴシック"/>
               </a:rPr>
-              <a:t>Les probabilités de passer d’un état a un autre. Par exemple : avec le modèle « SIS » nous pouvons simuler la propagation d’une épidémie si une personne saine a 0,01 % de chance de devenir infectée, et une personne infectée à 10 % de chance de guérir.</a:t>
+              <a:t>i une personne saine a 0,2 % de chance de devenir infectée, et une personne infectée à 0,1 % de chance de guérir, nous obtenons les résultats suivants : </a:t>
             </a:r>
+            <a:endParaRPr b="0" lang="fr-BE" sz="5000" spc="-1" strike="noStrike">
+              <a:latin typeface="Arial"/>
+            </a:endParaRPr>
+          </a:p>
+          <a:p>
+            <a:pPr>
+              <a:lnSpc>
+                <a:spcPct val="150000"/>
+              </a:lnSpc>
+            </a:pPr>
             <a:endParaRPr b="0" lang="fr-BE" sz="5000" spc="-1" strike="noStrike">
               <a:latin typeface="Arial"/>
             </a:endParaRPr>
@@ -2160,7 +2100,30 @@
         <p:spPr>
           <a:xfrm>
             <a:off x="1824840" y="14760000"/>
-            <a:ext cx="18263160" cy="24984000"/>
+            <a:ext cx="18262800" cy="24983640"/>
+          </a:xfrm>
+          <a:prstGeom prst="rect">
+            <a:avLst/>
+          </a:prstGeom>
+          <a:ln>
+            <a:noFill/>
+          </a:ln>
+        </p:spPr>
+      </p:pic>
+      <p:pic>
+        <p:nvPicPr>
+          <p:cNvPr id="48" name="" descr=""/>
+          <p:cNvPicPr/>
+          <p:nvPr/>
+        </p:nvPicPr>
+        <p:blipFill>
+          <a:blip r:embed="rId5"/>
+          <a:stretch/>
+        </p:blipFill>
+        <p:spPr>
+          <a:xfrm>
+            <a:off x="20160000" y="35568000"/>
+            <a:ext cx="12648240" cy="5040000"/>
           </a:xfrm>
           <a:prstGeom prst="rect">
             <a:avLst/>

--- a/PDS-INFO-2-G1.pptx
+++ b/PDS-INFO-2-G1.pptx
@@ -63,8 +63,8 @@
         </p:nvSpPr>
         <p:spPr>
           <a:xfrm>
-            <a:off x="2467080" y="14563440"/>
-            <a:ext cx="27964440" cy="7274520"/>
+            <a:off x="1644840" y="1738080"/>
+            <a:ext cx="29608920" cy="7274520"/>
           </a:xfrm>
           <a:prstGeom prst="rect">
             <a:avLst/>
@@ -93,7 +93,7 @@
         <p:spPr>
           <a:xfrm>
             <a:off x="1644840" y="10193400"/>
-            <a:ext cx="29608560" cy="12051360"/>
+            <a:ext cx="29608920" cy="12051720"/>
           </a:xfrm>
           <a:prstGeom prst="rect">
             <a:avLst/>
@@ -122,8 +122,8 @@
         </p:nvSpPr>
         <p:spPr>
           <a:xfrm>
-            <a:off x="1644840" y="23389920"/>
-            <a:ext cx="29608560" cy="12051360"/>
+            <a:off x="1644840" y="23390280"/>
+            <a:ext cx="29608920" cy="12051720"/>
           </a:xfrm>
           <a:prstGeom prst="rect">
             <a:avLst/>
@@ -174,8 +174,8 @@
         </p:nvSpPr>
         <p:spPr>
           <a:xfrm>
-            <a:off x="2467080" y="14563440"/>
-            <a:ext cx="27964440" cy="7274520"/>
+            <a:off x="1644840" y="1738080"/>
+            <a:ext cx="29608920" cy="7274520"/>
           </a:xfrm>
           <a:prstGeom prst="rect">
             <a:avLst/>
@@ -204,7 +204,7 @@
         <p:spPr>
           <a:xfrm>
             <a:off x="1644840" y="10193400"/>
-            <a:ext cx="14448960" cy="12051360"/>
+            <a:ext cx="14448960" cy="12051720"/>
           </a:xfrm>
           <a:prstGeom prst="rect">
             <a:avLst/>
@@ -234,7 +234,7 @@
         <p:spPr>
           <a:xfrm>
             <a:off x="16816680" y="10193400"/>
-            <a:ext cx="14448960" cy="12051360"/>
+            <a:ext cx="14448960" cy="12051720"/>
           </a:xfrm>
           <a:prstGeom prst="rect">
             <a:avLst/>
@@ -263,8 +263,8 @@
         </p:nvSpPr>
         <p:spPr>
           <a:xfrm>
-            <a:off x="1644840" y="23389920"/>
-            <a:ext cx="14448960" cy="12051360"/>
+            <a:off x="1644840" y="23390280"/>
+            <a:ext cx="14448960" cy="12051720"/>
           </a:xfrm>
           <a:prstGeom prst="rect">
             <a:avLst/>
@@ -293,8 +293,8 @@
         </p:nvSpPr>
         <p:spPr>
           <a:xfrm>
-            <a:off x="16816680" y="23389920"/>
-            <a:ext cx="14448960" cy="12051360"/>
+            <a:off x="16816680" y="23390280"/>
+            <a:ext cx="14448960" cy="12051720"/>
           </a:xfrm>
           <a:prstGeom prst="rect">
             <a:avLst/>
@@ -345,8 +345,8 @@
         </p:nvSpPr>
         <p:spPr>
           <a:xfrm>
-            <a:off x="2467080" y="14563440"/>
-            <a:ext cx="27964440" cy="7274520"/>
+            <a:off x="1644840" y="1738080"/>
+            <a:ext cx="29608920" cy="7274520"/>
           </a:xfrm>
           <a:prstGeom prst="rect">
             <a:avLst/>
@@ -375,7 +375,7 @@
         <p:spPr>
           <a:xfrm>
             <a:off x="1644840" y="10193400"/>
-            <a:ext cx="9533880" cy="12051360"/>
+            <a:ext cx="9533880" cy="12051720"/>
           </a:xfrm>
           <a:prstGeom prst="rect">
             <a:avLst/>
@@ -405,7 +405,7 @@
         <p:spPr>
           <a:xfrm>
             <a:off x="11655720" y="10193400"/>
-            <a:ext cx="9533880" cy="12051360"/>
+            <a:ext cx="9533880" cy="12051720"/>
           </a:xfrm>
           <a:prstGeom prst="rect">
             <a:avLst/>
@@ -435,7 +435,7 @@
         <p:spPr>
           <a:xfrm>
             <a:off x="21666600" y="10193400"/>
-            <a:ext cx="9533880" cy="12051360"/>
+            <a:ext cx="9533880" cy="12051720"/>
           </a:xfrm>
           <a:prstGeom prst="rect">
             <a:avLst/>
@@ -464,8 +464,8 @@
         </p:nvSpPr>
         <p:spPr>
           <a:xfrm>
-            <a:off x="1644840" y="23389920"/>
-            <a:ext cx="9533880" cy="12051360"/>
+            <a:off x="1644840" y="23390280"/>
+            <a:ext cx="9533880" cy="12051720"/>
           </a:xfrm>
           <a:prstGeom prst="rect">
             <a:avLst/>
@@ -494,8 +494,8 @@
         </p:nvSpPr>
         <p:spPr>
           <a:xfrm>
-            <a:off x="11655720" y="23389920"/>
-            <a:ext cx="9533880" cy="12051360"/>
+            <a:off x="11655720" y="23390280"/>
+            <a:ext cx="9533880" cy="12051720"/>
           </a:xfrm>
           <a:prstGeom prst="rect">
             <a:avLst/>
@@ -524,8 +524,8 @@
         </p:nvSpPr>
         <p:spPr>
           <a:xfrm>
-            <a:off x="21666600" y="23389920"/>
-            <a:ext cx="9533880" cy="12051360"/>
+            <a:off x="21666600" y="23390280"/>
+            <a:ext cx="9533880" cy="12051720"/>
           </a:xfrm>
           <a:prstGeom prst="rect">
             <a:avLst/>
@@ -576,8 +576,8 @@
         </p:nvSpPr>
         <p:spPr>
           <a:xfrm>
-            <a:off x="2467080" y="14563440"/>
-            <a:ext cx="27964440" cy="7274520"/>
+            <a:off x="1644840" y="1738080"/>
+            <a:ext cx="29608920" cy="7274520"/>
           </a:xfrm>
           <a:prstGeom prst="rect">
             <a:avLst/>
@@ -606,7 +606,7 @@
         <p:spPr>
           <a:xfrm>
             <a:off x="1644840" y="10193400"/>
-            <a:ext cx="29608560" cy="25265520"/>
+            <a:ext cx="29608920" cy="25265880"/>
           </a:xfrm>
           <a:prstGeom prst="rect">
             <a:avLst/>
@@ -656,8 +656,8 @@
         </p:nvSpPr>
         <p:spPr>
           <a:xfrm>
-            <a:off x="2467080" y="14563440"/>
-            <a:ext cx="27964440" cy="7274520"/>
+            <a:off x="1644840" y="1738080"/>
+            <a:ext cx="29608920" cy="7274520"/>
           </a:xfrm>
           <a:prstGeom prst="rect">
             <a:avLst/>
@@ -686,7 +686,7 @@
         <p:spPr>
           <a:xfrm>
             <a:off x="1644840" y="10193400"/>
-            <a:ext cx="29608560" cy="25265520"/>
+            <a:ext cx="29608920" cy="25265880"/>
           </a:xfrm>
           <a:prstGeom prst="rect">
             <a:avLst/>
@@ -737,8 +737,8 @@
         </p:nvSpPr>
         <p:spPr>
           <a:xfrm>
-            <a:off x="2467080" y="14563440"/>
-            <a:ext cx="27964440" cy="7274520"/>
+            <a:off x="1644840" y="1738080"/>
+            <a:ext cx="29608920" cy="7274520"/>
           </a:xfrm>
           <a:prstGeom prst="rect">
             <a:avLst/>
@@ -767,7 +767,7 @@
         <p:spPr>
           <a:xfrm>
             <a:off x="1644840" y="10193400"/>
-            <a:ext cx="14448960" cy="25265520"/>
+            <a:ext cx="14448960" cy="25265880"/>
           </a:xfrm>
           <a:prstGeom prst="rect">
             <a:avLst/>
@@ -797,7 +797,7 @@
         <p:spPr>
           <a:xfrm>
             <a:off x="16816680" y="10193400"/>
-            <a:ext cx="14448960" cy="25265520"/>
+            <a:ext cx="14448960" cy="25265880"/>
           </a:xfrm>
           <a:prstGeom prst="rect">
             <a:avLst/>
@@ -848,8 +848,8 @@
         </p:nvSpPr>
         <p:spPr>
           <a:xfrm>
-            <a:off x="2467080" y="14563440"/>
-            <a:ext cx="27964440" cy="7274520"/>
+            <a:off x="1644840" y="1738080"/>
+            <a:ext cx="29608920" cy="7274520"/>
           </a:xfrm>
           <a:prstGeom prst="rect">
             <a:avLst/>
@@ -899,8 +899,8 @@
         </p:nvSpPr>
         <p:spPr>
           <a:xfrm>
-            <a:off x="2467080" y="14563440"/>
-            <a:ext cx="27964440" cy="33721560"/>
+            <a:off x="1644840" y="1738080"/>
+            <a:ext cx="29608920" cy="33721560"/>
           </a:xfrm>
           <a:prstGeom prst="rect">
             <a:avLst/>
@@ -950,8 +950,8 @@
         </p:nvSpPr>
         <p:spPr>
           <a:xfrm>
-            <a:off x="2467080" y="14563440"/>
-            <a:ext cx="27964440" cy="7274520"/>
+            <a:off x="1644840" y="1738080"/>
+            <a:ext cx="29608920" cy="7274520"/>
           </a:xfrm>
           <a:prstGeom prst="rect">
             <a:avLst/>
@@ -980,7 +980,7 @@
         <p:spPr>
           <a:xfrm>
             <a:off x="1644840" y="10193400"/>
-            <a:ext cx="14448960" cy="12051360"/>
+            <a:ext cx="14448960" cy="12051720"/>
           </a:xfrm>
           <a:prstGeom prst="rect">
             <a:avLst/>
@@ -1010,7 +1010,7 @@
         <p:spPr>
           <a:xfrm>
             <a:off x="16816680" y="10193400"/>
-            <a:ext cx="14448960" cy="25265520"/>
+            <a:ext cx="14448960" cy="25265880"/>
           </a:xfrm>
           <a:prstGeom prst="rect">
             <a:avLst/>
@@ -1039,8 +1039,8 @@
         </p:nvSpPr>
         <p:spPr>
           <a:xfrm>
-            <a:off x="1644840" y="23389920"/>
-            <a:ext cx="14448960" cy="12051360"/>
+            <a:off x="1644840" y="23390280"/>
+            <a:ext cx="14448960" cy="12051720"/>
           </a:xfrm>
           <a:prstGeom prst="rect">
             <a:avLst/>
@@ -1091,8 +1091,8 @@
         </p:nvSpPr>
         <p:spPr>
           <a:xfrm>
-            <a:off x="2467080" y="14563440"/>
-            <a:ext cx="27964440" cy="7274520"/>
+            <a:off x="1644840" y="1738080"/>
+            <a:ext cx="29608920" cy="7274520"/>
           </a:xfrm>
           <a:prstGeom prst="rect">
             <a:avLst/>
@@ -1121,7 +1121,7 @@
         <p:spPr>
           <a:xfrm>
             <a:off x="1644840" y="10193400"/>
-            <a:ext cx="14448960" cy="25265520"/>
+            <a:ext cx="14448960" cy="25265880"/>
           </a:xfrm>
           <a:prstGeom prst="rect">
             <a:avLst/>
@@ -1151,7 +1151,7 @@
         <p:spPr>
           <a:xfrm>
             <a:off x="16816680" y="10193400"/>
-            <a:ext cx="14448960" cy="12051360"/>
+            <a:ext cx="14448960" cy="12051720"/>
           </a:xfrm>
           <a:prstGeom prst="rect">
             <a:avLst/>
@@ -1180,8 +1180,8 @@
         </p:nvSpPr>
         <p:spPr>
           <a:xfrm>
-            <a:off x="16816680" y="23389920"/>
-            <a:ext cx="14448960" cy="12051360"/>
+            <a:off x="16816680" y="23390280"/>
+            <a:ext cx="14448960" cy="12051720"/>
           </a:xfrm>
           <a:prstGeom prst="rect">
             <a:avLst/>
@@ -1232,8 +1232,8 @@
         </p:nvSpPr>
         <p:spPr>
           <a:xfrm>
-            <a:off x="2467080" y="14563440"/>
-            <a:ext cx="27964440" cy="7274520"/>
+            <a:off x="1644840" y="1738080"/>
+            <a:ext cx="29608920" cy="7274520"/>
           </a:xfrm>
           <a:prstGeom prst="rect">
             <a:avLst/>
@@ -1262,7 +1262,7 @@
         <p:spPr>
           <a:xfrm>
             <a:off x="1644840" y="10193400"/>
-            <a:ext cx="14448960" cy="12051360"/>
+            <a:ext cx="14448960" cy="12051720"/>
           </a:xfrm>
           <a:prstGeom prst="rect">
             <a:avLst/>
@@ -1292,7 +1292,7 @@
         <p:spPr>
           <a:xfrm>
             <a:off x="16816680" y="10193400"/>
-            <a:ext cx="14448960" cy="12051360"/>
+            <a:ext cx="14448960" cy="12051720"/>
           </a:xfrm>
           <a:prstGeom prst="rect">
             <a:avLst/>
@@ -1321,8 +1321,8 @@
         </p:nvSpPr>
         <p:spPr>
           <a:xfrm>
-            <a:off x="1644840" y="23389920"/>
-            <a:ext cx="29608560" cy="12051360"/>
+            <a:off x="1644840" y="23390280"/>
+            <a:ext cx="29608920" cy="12051720"/>
           </a:xfrm>
           <a:prstGeom prst="rect">
             <a:avLst/>
@@ -1380,8 +1380,8 @@
         </p:nvSpPr>
         <p:spPr>
           <a:xfrm>
-            <a:off x="2467080" y="14563440"/>
-            <a:ext cx="27964440" cy="7274520"/>
+            <a:off x="1644840" y="1738080"/>
+            <a:ext cx="29608920" cy="7274520"/>
           </a:xfrm>
           <a:prstGeom prst="rect">
             <a:avLst/>
@@ -1390,13 +1390,14 @@
         <p:txBody>
           <a:bodyPr lIns="0" rIns="0" tIns="0" bIns="0" anchor="ctr"/>
           <a:p>
+            <a:pPr algn="ctr"/>
             <a:r>
-              <a:rPr b="0" lang="fr-BE" sz="1800" spc="-1" strike="noStrike">
+              <a:rPr b="0" lang="fr-BE" sz="4400" spc="-1" strike="noStrike">
                 <a:latin typeface="Arial"/>
               </a:rPr>
               <a:t>Click to edit the title text format</a:t>
             </a:r>
-            <a:endParaRPr b="0" lang="fr-BE" sz="1800" spc="-1" strike="noStrike">
+            <a:endParaRPr b="0" lang="fr-BE" sz="4400" spc="-1" strike="noStrike">
               <a:latin typeface="Arial"/>
             </a:endParaRPr>
           </a:p>
@@ -1415,7 +1416,7 @@
         <p:spPr>
           <a:xfrm>
             <a:off x="1644840" y="10193400"/>
-            <a:ext cx="29608560" cy="25265520"/>
+            <a:ext cx="29608920" cy="25265880"/>
           </a:xfrm>
           <a:prstGeom prst="rect">
             <a:avLst/>
@@ -1438,12 +1439,12 @@
               <a:buChar char=""/>
             </a:pPr>
             <a:r>
-              <a:rPr b="0" lang="fr-BE" sz="1800" spc="-1" strike="noStrike">
+              <a:rPr b="0" lang="fr-BE" sz="3200" spc="-1" strike="noStrike">
                 <a:latin typeface="Arial"/>
               </a:rPr>
               <a:t>Click to edit the outline text format</a:t>
             </a:r>
-            <a:endParaRPr b="0" lang="fr-BE" sz="1800" spc="-1" strike="noStrike">
+            <a:endParaRPr b="0" lang="fr-BE" sz="3200" spc="-1" strike="noStrike">
               <a:latin typeface="Arial"/>
             </a:endParaRPr>
           </a:p>
@@ -1460,12 +1461,12 @@
               <a:buChar char=""/>
             </a:pPr>
             <a:r>
-              <a:rPr b="0" lang="fr-BE" sz="1800" spc="-1" strike="noStrike">
+              <a:rPr b="0" lang="fr-BE" sz="2800" spc="-1" strike="noStrike">
                 <a:latin typeface="Arial"/>
               </a:rPr>
               <a:t>Second Outline Level</a:t>
             </a:r>
-            <a:endParaRPr b="0" lang="fr-BE" sz="1800" spc="-1" strike="noStrike">
+            <a:endParaRPr b="0" lang="fr-BE" sz="2800" spc="-1" strike="noStrike">
               <a:latin typeface="Arial"/>
             </a:endParaRPr>
           </a:p>
@@ -1482,12 +1483,12 @@
               <a:buChar char=""/>
             </a:pPr>
             <a:r>
-              <a:rPr b="0" lang="fr-BE" sz="1800" spc="-1" strike="noStrike">
+              <a:rPr b="0" lang="fr-BE" sz="2400" spc="-1" strike="noStrike">
                 <a:latin typeface="Arial"/>
               </a:rPr>
               <a:t>Third Outline Level</a:t>
             </a:r>
-            <a:endParaRPr b="0" lang="fr-BE" sz="1800" spc="-1" strike="noStrike">
+            <a:endParaRPr b="0" lang="fr-BE" sz="2400" spc="-1" strike="noStrike">
               <a:latin typeface="Arial"/>
             </a:endParaRPr>
           </a:p>
@@ -1504,12 +1505,12 @@
               <a:buChar char=""/>
             </a:pPr>
             <a:r>
-              <a:rPr b="0" lang="fr-BE" sz="1800" spc="-1" strike="noStrike">
+              <a:rPr b="0" lang="fr-BE" sz="2000" spc="-1" strike="noStrike">
                 <a:latin typeface="Arial"/>
               </a:rPr>
               <a:t>Fourth Outline Level</a:t>
             </a:r>
-            <a:endParaRPr b="0" lang="fr-BE" sz="1800" spc="-1" strike="noStrike">
+            <a:endParaRPr b="0" lang="fr-BE" sz="2000" spc="-1" strike="noStrike">
               <a:latin typeface="Arial"/>
             </a:endParaRPr>
           </a:p>
@@ -1526,12 +1527,12 @@
               <a:buChar char=""/>
             </a:pPr>
             <a:r>
-              <a:rPr b="0" lang="fr-BE" sz="1800" spc="-1" strike="noStrike">
+              <a:rPr b="0" lang="fr-BE" sz="2000" spc="-1" strike="noStrike">
                 <a:latin typeface="Arial"/>
               </a:rPr>
               <a:t>Fifth Outline Level</a:t>
             </a:r>
-            <a:endParaRPr b="0" lang="fr-BE" sz="1800" spc="-1" strike="noStrike">
+            <a:endParaRPr b="0" lang="fr-BE" sz="2000" spc="-1" strike="noStrike">
               <a:latin typeface="Arial"/>
             </a:endParaRPr>
           </a:p>
@@ -1548,12 +1549,12 @@
               <a:buChar char=""/>
             </a:pPr>
             <a:r>
-              <a:rPr b="0" lang="fr-BE" sz="1800" spc="-1" strike="noStrike">
+              <a:rPr b="0" lang="fr-BE" sz="2000" spc="-1" strike="noStrike">
                 <a:latin typeface="Arial"/>
               </a:rPr>
               <a:t>Sixth Outline Level</a:t>
             </a:r>
-            <a:endParaRPr b="0" lang="fr-BE" sz="1800" spc="-1" strike="noStrike">
+            <a:endParaRPr b="0" lang="fr-BE" sz="2000" spc="-1" strike="noStrike">
               <a:latin typeface="Arial"/>
             </a:endParaRPr>
           </a:p>
@@ -1570,12 +1571,12 @@
               <a:buChar char=""/>
             </a:pPr>
             <a:r>
-              <a:rPr b="0" lang="fr-BE" sz="1800" spc="-1" strike="noStrike">
+              <a:rPr b="0" lang="fr-BE" sz="2000" spc="-1" strike="noStrike">
                 <a:latin typeface="Arial"/>
               </a:rPr>
               <a:t>Seventh Outline Level</a:t>
             </a:r>
-            <a:endParaRPr b="0" lang="fr-BE" sz="1800" spc="-1" strike="noStrike">
+            <a:endParaRPr b="0" lang="fr-BE" sz="2000" spc="-1" strike="noStrike">
               <a:latin typeface="Arial"/>
             </a:endParaRPr>
           </a:p>
@@ -1627,7 +1628,7 @@
         <p:spPr>
           <a:xfrm>
             <a:off x="2326680" y="5616000"/>
-            <a:ext cx="30216600" cy="7950600"/>
+            <a:ext cx="30216240" cy="7950240"/>
           </a:xfrm>
           <a:prstGeom prst="rect">
             <a:avLst/>
@@ -1695,8 +1696,8 @@
         </p:nvSpPr>
         <p:spPr>
           <a:xfrm rot="16200000">
-            <a:off x="-21167280" y="21132000"/>
-            <a:ext cx="43627320" cy="1311840"/>
+            <a:off x="-21167280" y="21132360"/>
+            <a:ext cx="43626960" cy="1311480"/>
           </a:xfrm>
           <a:prstGeom prst="rect">
             <a:avLst/>
@@ -1774,7 +1775,7 @@
         <p:spPr>
           <a:xfrm>
             <a:off x="30203640" y="40878000"/>
-            <a:ext cx="2607120" cy="2607120"/>
+            <a:ext cx="2606760" cy="2606760"/>
           </a:xfrm>
           <a:prstGeom prst="rect">
             <a:avLst/>
@@ -1797,7 +1798,7 @@
         <p:spPr>
           <a:xfrm>
             <a:off x="25725600" y="40611600"/>
-            <a:ext cx="4261320" cy="2986560"/>
+            <a:ext cx="4260960" cy="2986200"/>
           </a:xfrm>
           <a:prstGeom prst="rect">
             <a:avLst/>
@@ -1816,7 +1817,7 @@
         <p:spPr>
           <a:xfrm>
             <a:off x="1832040" y="42858000"/>
-            <a:ext cx="21966480" cy="957960"/>
+            <a:ext cx="21966120" cy="957600"/>
           </a:xfrm>
           <a:prstGeom prst="rect">
             <a:avLst/>
@@ -1886,7 +1887,7 @@
         <p:spPr>
           <a:xfrm>
             <a:off x="8286840" y="20815560"/>
-            <a:ext cx="18603000" cy="2832840"/>
+            <a:ext cx="18602640" cy="2832480"/>
           </a:xfrm>
           <a:prstGeom prst="rect">
             <a:avLst/>
@@ -1912,7 +1913,7 @@
         <p:spPr>
           <a:xfrm>
             <a:off x="15151320" y="820800"/>
-            <a:ext cx="17668440" cy="820800"/>
+            <a:ext cx="17668080" cy="820440"/>
           </a:xfrm>
           <a:prstGeom prst="rect">
             <a:avLst/>
@@ -1968,7 +1969,7 @@
         <p:spPr>
           <a:xfrm>
             <a:off x="2202120" y="918360"/>
-            <a:ext cx="4887000" cy="4887000"/>
+            <a:ext cx="4886640" cy="4886640"/>
           </a:xfrm>
           <a:prstGeom prst="rect">
             <a:avLst/>
@@ -1987,7 +1988,7 @@
         <p:spPr>
           <a:xfrm>
             <a:off x="20520000" y="12744000"/>
-            <a:ext cx="12000600" cy="26674560"/>
+            <a:ext cx="12000240" cy="26674200"/>
           </a:xfrm>
           <a:prstGeom prst="rect">
             <a:avLst/>
@@ -2039,7 +2040,7 @@
                 <a:latin typeface="Arial"/>
                 <a:ea typeface="ＭＳ Ｐゴシック"/>
               </a:rPr>
-              <a:t>Le choix d’un modèle n’est pas suffisant pour simuler une épidémie, il faut en plus définir un certain nombre de paramètres. Nous pouvons séparer ces paramètres en 2 catégories : Les paramètres initiaux indiquent le nombre de personnes dans chaque état à l’instant initial . Les probabilités de passer d’un état a un autre</a:t>
+              <a:t>Le choix d’un modèle n’est pas suffisant pour simuler une épidémie, il faut en plus définir un certain nombre de paramètres. Nous pouvons séparer ces paramètres en 2 catégories : Les paramètres initiaux indiquent le nombre de personnes dans chaque état à l’instant initial , et les probabilités de passer d’un état a un autre.</a:t>
             </a:r>
             <a:endParaRPr b="0" lang="fr-BE" sz="5000" spc="-1" strike="noStrike">
               <a:latin typeface="Arial"/>
@@ -2059,17 +2060,7 @@
                 <a:latin typeface="Arial"/>
                 <a:ea typeface="ＭＳ Ｐゴシック"/>
               </a:rPr>
-              <a:t>Exemple : avec le modèle « SIR » nous pouvons simuler le cas ou il y à initialement 999 personnes saines, une personne infectée et 0 personnes rétablies (et donc, dans une population totale de 1000 personnes). S</a:t>
-            </a:r>
-            <a:r>
-              <a:rPr b="0" lang="fr-BE" sz="5000" spc="-1" strike="noStrike">
-                <a:solidFill>
-                  <a:srgbClr val="000000"/>
-                </a:solidFill>
-                <a:latin typeface="Arial"/>
-                <a:ea typeface="ＭＳ Ｐゴシック"/>
-              </a:rPr>
-              <a:t>i une personne saine a 0,2 % de chance de devenir infectée, et une personne infectée à 0,1 % de chance de guérir, nous obtenons les résultats suivants : </a:t>
+              <a:t>Exemple : avec le modèle « SIR » nous pouvons simuler le cas ou il y a initialement 999 personnes saines, une personne infectée et 0 personnes rétablies (et donc, dans une population totale de 1000 personnes). Si une personne saine a 0,2 % de chance de devenir infectée, et une personne infectée à 0,1 % de chance de guérir, nous obtenons les résultats suivants : </a:t>
             </a:r>
             <a:endParaRPr b="0" lang="fr-BE" sz="5000" spc="-1" strike="noStrike">
               <a:latin typeface="Arial"/>
@@ -2100,7 +2091,7 @@
         <p:spPr>
           <a:xfrm>
             <a:off x="1824840" y="14760000"/>
-            <a:ext cx="18262800" cy="24983640"/>
+            <a:ext cx="18262440" cy="24983280"/>
           </a:xfrm>
           <a:prstGeom prst="rect">
             <a:avLst/>
@@ -2123,7 +2114,7 @@
         <p:spPr>
           <a:xfrm>
             <a:off x="20160000" y="35568000"/>
-            <a:ext cx="12648240" cy="5040000"/>
+            <a:ext cx="12647880" cy="5039640"/>
           </a:xfrm>
           <a:prstGeom prst="rect">
             <a:avLst/>

--- a/PDS-INFO-2-G1.pptx
+++ b/PDS-INFO-2-G1.pptx
@@ -1628,7 +1628,7 @@
         <p:spPr>
           <a:xfrm>
             <a:off x="2326680" y="5616000"/>
-            <a:ext cx="30216240" cy="7950240"/>
+            <a:ext cx="30215880" cy="7949880"/>
           </a:xfrm>
           <a:prstGeom prst="rect">
             <a:avLst/>
@@ -1696,8 +1696,8 @@
         </p:nvSpPr>
         <p:spPr>
           <a:xfrm rot="16200000">
-            <a:off x="-21167280" y="21132360"/>
-            <a:ext cx="43626960" cy="1311480"/>
+            <a:off x="-21167280" y="21132720"/>
+            <a:ext cx="43626600" cy="1311120"/>
           </a:xfrm>
           <a:prstGeom prst="rect">
             <a:avLst/>
@@ -1775,7 +1775,7 @@
         <p:spPr>
           <a:xfrm>
             <a:off x="30203640" y="40878000"/>
-            <a:ext cx="2606760" cy="2606760"/>
+            <a:ext cx="2606400" cy="2606400"/>
           </a:xfrm>
           <a:prstGeom prst="rect">
             <a:avLst/>
@@ -1798,7 +1798,7 @@
         <p:spPr>
           <a:xfrm>
             <a:off x="25725600" y="40611600"/>
-            <a:ext cx="4260960" cy="2986200"/>
+            <a:ext cx="4260600" cy="2985840"/>
           </a:xfrm>
           <a:prstGeom prst="rect">
             <a:avLst/>
@@ -1817,7 +1817,7 @@
         <p:spPr>
           <a:xfrm>
             <a:off x="1832040" y="42858000"/>
-            <a:ext cx="21966120" cy="957600"/>
+            <a:ext cx="21965760" cy="957240"/>
           </a:xfrm>
           <a:prstGeom prst="rect">
             <a:avLst/>
@@ -1887,7 +1887,7 @@
         <p:spPr>
           <a:xfrm>
             <a:off x="8286840" y="20815560"/>
-            <a:ext cx="18602640" cy="2832480"/>
+            <a:ext cx="18602280" cy="2832120"/>
           </a:xfrm>
           <a:prstGeom prst="rect">
             <a:avLst/>
@@ -1913,7 +1913,7 @@
         <p:spPr>
           <a:xfrm>
             <a:off x="15151320" y="820800"/>
-            <a:ext cx="17668080" cy="820440"/>
+            <a:ext cx="17667720" cy="820080"/>
           </a:xfrm>
           <a:prstGeom prst="rect">
             <a:avLst/>
@@ -1969,7 +1969,7 @@
         <p:spPr>
           <a:xfrm>
             <a:off x="2202120" y="918360"/>
-            <a:ext cx="4886640" cy="4886640"/>
+            <a:ext cx="4886280" cy="4886280"/>
           </a:xfrm>
           <a:prstGeom prst="rect">
             <a:avLst/>
@@ -1988,7 +1988,7 @@
         <p:spPr>
           <a:xfrm>
             <a:off x="20520000" y="12744000"/>
-            <a:ext cx="12000240" cy="26674200"/>
+            <a:ext cx="11999880" cy="26673840"/>
           </a:xfrm>
           <a:prstGeom prst="rect">
             <a:avLst/>
@@ -2040,7 +2040,7 @@
                 <a:latin typeface="Arial"/>
                 <a:ea typeface="ＭＳ Ｐゴシック"/>
               </a:rPr>
-              <a:t>Le choix d’un modèle n’est pas suffisant pour simuler une épidémie, il faut en plus définir un certain nombre de paramètres. Nous pouvons séparer ces paramètres en 2 catégories : Les paramètres initiaux indiquent le nombre de personnes dans chaque état à l’instant initial , et les probabilités de passer d’un état a un autre.</a:t>
+              <a:t>Le choix d’un modèle n’est pas suffisant pour simuler une épidémie, il faut en plus définir un certain nombre de paramètres. Nous pouvons séparer ces paramètres en 2 catégories : Les paramètres initiaux indiquent le nombre de personnes dans chaque état à l’instant initial , et les probabilités de passer d’un état à un autre.</a:t>
             </a:r>
             <a:endParaRPr b="0" lang="fr-BE" sz="5000" spc="-1" strike="noStrike">
               <a:latin typeface="Arial"/>
@@ -2091,7 +2091,7 @@
         <p:spPr>
           <a:xfrm>
             <a:off x="1824840" y="14760000"/>
-            <a:ext cx="18262440" cy="24983280"/>
+            <a:ext cx="18262080" cy="24982920"/>
           </a:xfrm>
           <a:prstGeom prst="rect">
             <a:avLst/>
@@ -2114,7 +2114,7 @@
         <p:spPr>
           <a:xfrm>
             <a:off x="20160000" y="35568000"/>
-            <a:ext cx="12647880" cy="5039640"/>
+            <a:ext cx="12647520" cy="5039280"/>
           </a:xfrm>
           <a:prstGeom prst="rect">
             <a:avLst/>

--- a/PDS-INFO-2-G1.pptx
+++ b/PDS-INFO-2-G1.pptx
@@ -1627,8 +1627,8 @@
         </p:nvSpPr>
         <p:spPr>
           <a:xfrm>
-            <a:off x="2326680" y="5616000"/>
-            <a:ext cx="30215880" cy="7949880"/>
+            <a:off x="1301040" y="5760000"/>
+            <a:ext cx="16050960" cy="21960000"/>
           </a:xfrm>
           <a:prstGeom prst="rect">
             <a:avLst/>
@@ -1686,6 +1686,46 @@
               <a:latin typeface="Arial"/>
             </a:endParaRPr>
           </a:p>
+          <a:p>
+            <a:pPr>
+              <a:lnSpc>
+                <a:spcPct val="150000"/>
+              </a:lnSpc>
+            </a:pPr>
+            <a:r>
+              <a:rPr b="1" lang="fr-BE" sz="4400" spc="-1" strike="noStrike">
+                <a:solidFill>
+                  <a:srgbClr val="92d050"/>
+                </a:solidFill>
+                <a:latin typeface="Arial"/>
+                <a:ea typeface="ＭＳ Ｐゴシック"/>
+              </a:rPr>
+              <a:t>Paramètres d’un modèle</a:t>
+            </a:r>
+            <a:endParaRPr b="0" lang="fr-BE" sz="4400" spc="-1" strike="noStrike">
+              <a:latin typeface="Arial"/>
+            </a:endParaRPr>
+          </a:p>
+          <a:p>
+            <a:pPr>
+              <a:lnSpc>
+                <a:spcPct val="150000"/>
+              </a:lnSpc>
+            </a:pPr>
+            <a:r>
+              <a:rPr b="0" lang="fr-BE" sz="5000" spc="-1" strike="noStrike">
+                <a:solidFill>
+                  <a:srgbClr val="000000"/>
+                </a:solidFill>
+                <a:latin typeface="Arial"/>
+                <a:ea typeface="ＭＳ Ｐゴシック"/>
+              </a:rPr>
+              <a:t>Le choix d’un modèle n’est pas suffisant pour simuler une épidémie, il faut en plus définir un certain nombre de paramètres. Nous pouvons séparer ces paramètres en 2 catégories : Les paramètres initiaux indiquent le nombre de personnes dans chaque état à l’instant initial , et les probabilités de passer d’un état à un autre.</a:t>
+            </a:r>
+            <a:endParaRPr b="0" lang="fr-BE" sz="5000" spc="-1" strike="noStrike">
+              <a:latin typeface="Arial"/>
+            </a:endParaRPr>
+          </a:p>
         </p:txBody>
       </p:sp>
       <p:sp>
@@ -1696,8 +1736,8 @@
         </p:nvSpPr>
         <p:spPr>
           <a:xfrm rot="16200000">
-            <a:off x="-21167280" y="21132720"/>
-            <a:ext cx="43626600" cy="1311120"/>
+            <a:off x="-21167280" y="21133080"/>
+            <a:ext cx="43626240" cy="1310760"/>
           </a:xfrm>
           <a:prstGeom prst="rect">
             <a:avLst/>
@@ -1775,7 +1815,7 @@
         <p:spPr>
           <a:xfrm>
             <a:off x="30203640" y="40878000"/>
-            <a:ext cx="2606400" cy="2606400"/>
+            <a:ext cx="2606040" cy="2606040"/>
           </a:xfrm>
           <a:prstGeom prst="rect">
             <a:avLst/>
@@ -1798,7 +1838,7 @@
         <p:spPr>
           <a:xfrm>
             <a:off x="25725600" y="40611600"/>
-            <a:ext cx="4260600" cy="2985840"/>
+            <a:ext cx="4260240" cy="2985480"/>
           </a:xfrm>
           <a:prstGeom prst="rect">
             <a:avLst/>
@@ -1817,7 +1857,7 @@
         <p:spPr>
           <a:xfrm>
             <a:off x="1832040" y="42858000"/>
-            <a:ext cx="21965760" cy="957240"/>
+            <a:ext cx="21965400" cy="956880"/>
           </a:xfrm>
           <a:prstGeom prst="rect">
             <a:avLst/>
@@ -1886,34 +1926,8 @@
         </p:nvSpPr>
         <p:spPr>
           <a:xfrm>
-            <a:off x="8286840" y="20815560"/>
-            <a:ext cx="18602280" cy="2832120"/>
-          </a:xfrm>
-          <a:prstGeom prst="rect">
-            <a:avLst/>
-          </a:prstGeom>
-          <a:noFill/>
-          <a:ln>
-            <a:noFill/>
-          </a:ln>
-        </p:spPr>
-        <p:style>
-          <a:lnRef idx="0"/>
-          <a:fillRef idx="0"/>
-          <a:effectRef idx="0"/>
-          <a:fontRef idx="minor"/>
-        </p:style>
-      </p:sp>
-      <p:sp>
-        <p:nvSpPr>
-          <p:cNvPr id="44" name="CustomShape 5"/>
-          <p:cNvSpPr/>
-          <p:nvPr/>
-        </p:nvSpPr>
-        <p:spPr>
-          <a:xfrm>
             <a:off x="15151320" y="820800"/>
-            <a:ext cx="17667720" cy="820080"/>
+            <a:ext cx="17667360" cy="819720"/>
           </a:xfrm>
           <a:prstGeom prst="rect">
             <a:avLst/>
@@ -1958,7 +1972,7 @@
       </p:sp>
       <p:pic>
         <p:nvPicPr>
-          <p:cNvPr id="45" name="Image 2" descr=""/>
+          <p:cNvPr id="44" name="Image 2" descr=""/>
           <p:cNvPicPr/>
           <p:nvPr/>
         </p:nvPicPr>
@@ -1969,7 +1983,7 @@
         <p:spPr>
           <a:xfrm>
             <a:off x="2202120" y="918360"/>
-            <a:ext cx="4886280" cy="4886280"/>
+            <a:ext cx="4885920" cy="4885920"/>
           </a:xfrm>
           <a:prstGeom prst="rect">
             <a:avLst/>
@@ -1981,14 +1995,14 @@
       </p:pic>
       <p:sp>
         <p:nvSpPr>
-          <p:cNvPr id="46" name="CustomShape 6"/>
+          <p:cNvPr id="45" name="CustomShape 5"/>
           <p:cNvSpPr/>
           <p:nvPr/>
         </p:nvSpPr>
         <p:spPr>
           <a:xfrm>
-            <a:off x="20520000" y="12744000"/>
-            <a:ext cx="11999880" cy="26673840"/>
+            <a:off x="1301040" y="26712000"/>
+            <a:ext cx="31598280" cy="6048000"/>
           </a:xfrm>
           <a:prstGeom prst="rect">
             <a:avLst/>
@@ -2012,17 +2026,7 @@
                 <a:spcPct val="150000"/>
               </a:lnSpc>
             </a:pPr>
-            <a:r>
-              <a:rPr b="1" lang="fr-BE" sz="4400" spc="-1" strike="noStrike">
-                <a:solidFill>
-                  <a:srgbClr val="92d050"/>
-                </a:solidFill>
-                <a:latin typeface="Arial"/>
-                <a:ea typeface="ＭＳ Ｐゴシック"/>
-              </a:rPr>
-              <a:t>Paramètres d’un modèle</a:t>
-            </a:r>
-            <a:endParaRPr b="0" lang="fr-BE" sz="4400" spc="-1" strike="noStrike">
+            <a:endParaRPr b="0" lang="fr-BE" sz="1800" spc="-1" strike="noStrike">
               <a:latin typeface="Arial"/>
             </a:endParaRPr>
           </a:p>
@@ -2040,18 +2044,8 @@
                 <a:latin typeface="Arial"/>
                 <a:ea typeface="ＭＳ Ｐゴシック"/>
               </a:rPr>
-              <a:t>Le choix d’un modèle n’est pas suffisant pour simuler une épidémie, il faut en plus définir un certain nombre de paramètres. Nous pouvons séparer ces paramètres en 2 catégories : Les paramètres initiaux indiquent le nombre de personnes dans chaque état à l’instant initial , et les probabilités de passer d’un état à un autre.</a:t>
+              <a:t>Exemple : avec le modèle « SIR » nous pouvons simuler le cas ou il y a </a:t>
             </a:r>
-            <a:endParaRPr b="0" lang="fr-BE" sz="5000" spc="-1" strike="noStrike">
-              <a:latin typeface="Arial"/>
-            </a:endParaRPr>
-          </a:p>
-          <a:p>
-            <a:pPr>
-              <a:lnSpc>
-                <a:spcPct val="150000"/>
-              </a:lnSpc>
-            </a:pPr>
             <a:r>
               <a:rPr b="0" lang="fr-BE" sz="5000" spc="-1" strike="noStrike">
                 <a:solidFill>
@@ -2060,7 +2054,37 @@
                 <a:latin typeface="Arial"/>
                 <a:ea typeface="ＭＳ Ｐゴシック"/>
               </a:rPr>
-              <a:t>Exemple : avec le modèle « SIR » nous pouvons simuler le cas ou il y a initialement 999 personnes saines, une personne infectée et 0 personnes rétablies (et donc, dans une population totale de 1000 personnes). Si une personne saine a 0,2 % de chance de devenir infectée, et une personne infectée à 0,1 % de chance de guérir, nous obtenons les résultats suivants : </a:t>
+              <a:t>initialement 999 personnes saines, une personne infectée et 0 personnes </a:t>
+            </a:r>
+            <a:r>
+              <a:rPr b="0" lang="fr-BE" sz="5000" spc="-1" strike="noStrike">
+                <a:solidFill>
+                  <a:srgbClr val="000000"/>
+                </a:solidFill>
+                <a:latin typeface="Arial"/>
+                <a:ea typeface="ＭＳ Ｐゴシック"/>
+              </a:rPr>
+              <a:t>rétablies (et donc, dans une population totale de 1000 personnes). Si une </a:t>
+            </a:r>
+            <a:r>
+              <a:rPr b="0" lang="fr-BE" sz="5000" spc="-1" strike="noStrike">
+                <a:solidFill>
+                  <a:srgbClr val="000000"/>
+                </a:solidFill>
+                <a:latin typeface="Arial"/>
+                <a:ea typeface="ＭＳ Ｐゴシック"/>
+              </a:rPr>
+              <a:t>personne saine a 0,2 % de chance de devenir infectée, et une personne </a:t>
+            </a:r>
+            <a:r>
+              <a:rPr b="0" lang="fr-BE" sz="5000" spc="-1" strike="noStrike">
+                <a:solidFill>
+                  <a:srgbClr val="000000"/>
+                </a:solidFill>
+                <a:latin typeface="Arial"/>
+                <a:ea typeface="ＭＳ Ｐゴシック"/>
+              </a:rPr>
+              <a:t>infectée à 0,1 % de chance de guérir, nous obtenons les résultats suivants : </a:t>
             </a:r>
             <a:endParaRPr b="0" lang="fr-BE" sz="5000" spc="-1" strike="noStrike">
               <a:latin typeface="Arial"/>
@@ -2078,6 +2102,29 @@
           </a:p>
         </p:txBody>
       </p:sp>
+      <p:pic>
+        <p:nvPicPr>
+          <p:cNvPr id="46" name="" descr=""/>
+          <p:cNvPicPr/>
+          <p:nvPr/>
+        </p:nvPicPr>
+        <p:blipFill>
+          <a:blip r:embed="rId4"/>
+          <a:stretch/>
+        </p:blipFill>
+        <p:spPr>
+          <a:xfrm>
+            <a:off x="17928000" y="7200000"/>
+            <a:ext cx="14971320" cy="20481480"/>
+          </a:xfrm>
+          <a:prstGeom prst="rect">
+            <a:avLst/>
+          </a:prstGeom>
+          <a:ln>
+            <a:noFill/>
+          </a:ln>
+        </p:spPr>
+      </p:pic>
       <p:pic>
         <p:nvPicPr>
           <p:cNvPr id="47" name="" descr=""/>
@@ -2085,36 +2132,13 @@
           <p:nvPr/>
         </p:nvPicPr>
         <p:blipFill>
-          <a:blip r:embed="rId4"/>
-          <a:stretch/>
-        </p:blipFill>
-        <p:spPr>
-          <a:xfrm>
-            <a:off x="1824840" y="14760000"/>
-            <a:ext cx="18262080" cy="24982920"/>
-          </a:xfrm>
-          <a:prstGeom prst="rect">
-            <a:avLst/>
-          </a:prstGeom>
-          <a:ln>
-            <a:noFill/>
-          </a:ln>
-        </p:spPr>
-      </p:pic>
-      <p:pic>
-        <p:nvPicPr>
-          <p:cNvPr id="48" name="" descr=""/>
-          <p:cNvPicPr/>
-          <p:nvPr/>
-        </p:nvPicPr>
-        <p:blipFill>
           <a:blip r:embed="rId5"/>
           <a:stretch/>
         </p:blipFill>
         <p:spPr>
           <a:xfrm>
-            <a:off x="20160000" y="35568000"/>
-            <a:ext cx="12647520" cy="5039280"/>
+            <a:off x="1414440" y="32256000"/>
+            <a:ext cx="24793560" cy="9878040"/>
           </a:xfrm>
           <a:prstGeom prst="rect">
             <a:avLst/>

--- a/PDS-INFO-2-G1.pptx
+++ b/PDS-INFO-2-G1.pptx
@@ -71,10 +71,12 @@
           </a:prstGeom>
         </p:spPr>
         <p:txBody>
-          <a:bodyPr lIns="0" rIns="0" tIns="0" bIns="0" anchor="ctr"/>
+          <a:bodyPr lIns="0" rIns="0" tIns="0" bIns="0" anchor="ctr">
+            <a:spAutoFit/>
+          </a:bodyPr>
           <a:p>
             <a:pPr algn="ctr"/>
-            <a:endParaRPr b="0" lang="fr-BE" sz="4400" spc="-1" strike="noStrike">
+            <a:endParaRPr b="0" lang="fr-FR" sz="4400" spc="-1" strike="noStrike">
               <a:latin typeface="Arial"/>
             </a:endParaRPr>
           </a:p>
@@ -104,7 +106,7 @@
             <a:normAutofit/>
           </a:bodyPr>
           <a:p>
-            <a:endParaRPr b="0" lang="fr-BE" sz="3200" spc="-1" strike="noStrike">
+            <a:endParaRPr b="0" lang="fr-FR" sz="3200" spc="-1" strike="noStrike">
               <a:latin typeface="Arial"/>
             </a:endParaRPr>
           </a:p>
@@ -134,7 +136,7 @@
             <a:normAutofit/>
           </a:bodyPr>
           <a:p>
-            <a:endParaRPr b="0" lang="fr-BE" sz="3200" spc="-1" strike="noStrike">
+            <a:endParaRPr b="0" lang="fr-FR" sz="3200" spc="-1" strike="noStrike">
               <a:latin typeface="Arial"/>
             </a:endParaRPr>
           </a:p>
@@ -182,10 +184,12 @@
           </a:prstGeom>
         </p:spPr>
         <p:txBody>
-          <a:bodyPr lIns="0" rIns="0" tIns="0" bIns="0" anchor="ctr"/>
+          <a:bodyPr lIns="0" rIns="0" tIns="0" bIns="0" anchor="ctr">
+            <a:spAutoFit/>
+          </a:bodyPr>
           <a:p>
             <a:pPr algn="ctr"/>
-            <a:endParaRPr b="0" lang="fr-BE" sz="4400" spc="-1" strike="noStrike">
+            <a:endParaRPr b="0" lang="fr-FR" sz="4400" spc="-1" strike="noStrike">
               <a:latin typeface="Arial"/>
             </a:endParaRPr>
           </a:p>
@@ -215,7 +219,7 @@
             <a:normAutofit/>
           </a:bodyPr>
           <a:p>
-            <a:endParaRPr b="0" lang="fr-BE" sz="3200" spc="-1" strike="noStrike">
+            <a:endParaRPr b="0" lang="fr-FR" sz="3200" spc="-1" strike="noStrike">
               <a:latin typeface="Arial"/>
             </a:endParaRPr>
           </a:p>
@@ -245,7 +249,7 @@
             <a:normAutofit/>
           </a:bodyPr>
           <a:p>
-            <a:endParaRPr b="0" lang="fr-BE" sz="3200" spc="-1" strike="noStrike">
+            <a:endParaRPr b="0" lang="fr-FR" sz="3200" spc="-1" strike="noStrike">
               <a:latin typeface="Arial"/>
             </a:endParaRPr>
           </a:p>
@@ -275,7 +279,7 @@
             <a:normAutofit/>
           </a:bodyPr>
           <a:p>
-            <a:endParaRPr b="0" lang="fr-BE" sz="3200" spc="-1" strike="noStrike">
+            <a:endParaRPr b="0" lang="fr-FR" sz="3200" spc="-1" strike="noStrike">
               <a:latin typeface="Arial"/>
             </a:endParaRPr>
           </a:p>
@@ -305,7 +309,7 @@
             <a:normAutofit/>
           </a:bodyPr>
           <a:p>
-            <a:endParaRPr b="0" lang="fr-BE" sz="3200" spc="-1" strike="noStrike">
+            <a:endParaRPr b="0" lang="fr-FR" sz="3200" spc="-1" strike="noStrike">
               <a:latin typeface="Arial"/>
             </a:endParaRPr>
           </a:p>
@@ -353,10 +357,12 @@
           </a:prstGeom>
         </p:spPr>
         <p:txBody>
-          <a:bodyPr lIns="0" rIns="0" tIns="0" bIns="0" anchor="ctr"/>
+          <a:bodyPr lIns="0" rIns="0" tIns="0" bIns="0" anchor="ctr">
+            <a:spAutoFit/>
+          </a:bodyPr>
           <a:p>
             <a:pPr algn="ctr"/>
-            <a:endParaRPr b="0" lang="fr-BE" sz="4400" spc="-1" strike="noStrike">
+            <a:endParaRPr b="0" lang="fr-FR" sz="4400" spc="-1" strike="noStrike">
               <a:latin typeface="Arial"/>
             </a:endParaRPr>
           </a:p>
@@ -386,7 +392,7 @@
             <a:normAutofit/>
           </a:bodyPr>
           <a:p>
-            <a:endParaRPr b="0" lang="fr-BE" sz="3200" spc="-1" strike="noStrike">
+            <a:endParaRPr b="0" lang="fr-FR" sz="3200" spc="-1" strike="noStrike">
               <a:latin typeface="Arial"/>
             </a:endParaRPr>
           </a:p>
@@ -416,7 +422,7 @@
             <a:normAutofit/>
           </a:bodyPr>
           <a:p>
-            <a:endParaRPr b="0" lang="fr-BE" sz="3200" spc="-1" strike="noStrike">
+            <a:endParaRPr b="0" lang="fr-FR" sz="3200" spc="-1" strike="noStrike">
               <a:latin typeface="Arial"/>
             </a:endParaRPr>
           </a:p>
@@ -446,7 +452,7 @@
             <a:normAutofit/>
           </a:bodyPr>
           <a:p>
-            <a:endParaRPr b="0" lang="fr-BE" sz="3200" spc="-1" strike="noStrike">
+            <a:endParaRPr b="0" lang="fr-FR" sz="3200" spc="-1" strike="noStrike">
               <a:latin typeface="Arial"/>
             </a:endParaRPr>
           </a:p>
@@ -476,7 +482,7 @@
             <a:normAutofit/>
           </a:bodyPr>
           <a:p>
-            <a:endParaRPr b="0" lang="fr-BE" sz="3200" spc="-1" strike="noStrike">
+            <a:endParaRPr b="0" lang="fr-FR" sz="3200" spc="-1" strike="noStrike">
               <a:latin typeface="Arial"/>
             </a:endParaRPr>
           </a:p>
@@ -506,7 +512,7 @@
             <a:normAutofit/>
           </a:bodyPr>
           <a:p>
-            <a:endParaRPr b="0" lang="fr-BE" sz="3200" spc="-1" strike="noStrike">
+            <a:endParaRPr b="0" lang="fr-FR" sz="3200" spc="-1" strike="noStrike">
               <a:latin typeface="Arial"/>
             </a:endParaRPr>
           </a:p>
@@ -536,7 +542,7 @@
             <a:normAutofit/>
           </a:bodyPr>
           <a:p>
-            <a:endParaRPr b="0" lang="fr-BE" sz="3200" spc="-1" strike="noStrike">
+            <a:endParaRPr b="0" lang="fr-FR" sz="3200" spc="-1" strike="noStrike">
               <a:latin typeface="Arial"/>
             </a:endParaRPr>
           </a:p>
@@ -584,10 +590,12 @@
           </a:prstGeom>
         </p:spPr>
         <p:txBody>
-          <a:bodyPr lIns="0" rIns="0" tIns="0" bIns="0" anchor="ctr"/>
+          <a:bodyPr lIns="0" rIns="0" tIns="0" bIns="0" anchor="ctr">
+            <a:spAutoFit/>
+          </a:bodyPr>
           <a:p>
             <a:pPr algn="ctr"/>
-            <a:endParaRPr b="0" lang="fr-BE" sz="4400" spc="-1" strike="noStrike">
+            <a:endParaRPr b="0" lang="fr-FR" sz="4400" spc="-1" strike="noStrike">
               <a:latin typeface="Arial"/>
             </a:endParaRPr>
           </a:p>
@@ -613,10 +621,12 @@
           </a:prstGeom>
         </p:spPr>
         <p:txBody>
-          <a:bodyPr lIns="0" rIns="0" tIns="0" bIns="0" anchor="ctr"/>
+          <a:bodyPr lIns="0" rIns="0" tIns="0" bIns="0" anchor="ctr">
+            <a:spAutoFit/>
+          </a:bodyPr>
           <a:p>
             <a:pPr algn="ctr"/>
-            <a:endParaRPr b="0" lang="fr-BE" sz="3200" spc="-1" strike="noStrike">
+            <a:endParaRPr b="0" lang="fr-FR" sz="3200" spc="-1" strike="noStrike">
               <a:latin typeface="Arial"/>
             </a:endParaRPr>
           </a:p>
@@ -664,10 +674,12 @@
           </a:prstGeom>
         </p:spPr>
         <p:txBody>
-          <a:bodyPr lIns="0" rIns="0" tIns="0" bIns="0" anchor="ctr"/>
+          <a:bodyPr lIns="0" rIns="0" tIns="0" bIns="0" anchor="ctr">
+            <a:spAutoFit/>
+          </a:bodyPr>
           <a:p>
             <a:pPr algn="ctr"/>
-            <a:endParaRPr b="0" lang="fr-BE" sz="4400" spc="-1" strike="noStrike">
+            <a:endParaRPr b="0" lang="fr-FR" sz="4400" spc="-1" strike="noStrike">
               <a:latin typeface="Arial"/>
             </a:endParaRPr>
           </a:p>
@@ -697,7 +709,7 @@
             <a:normAutofit/>
           </a:bodyPr>
           <a:p>
-            <a:endParaRPr b="0" lang="fr-BE" sz="3200" spc="-1" strike="noStrike">
+            <a:endParaRPr b="0" lang="fr-FR" sz="3200" spc="-1" strike="noStrike">
               <a:latin typeface="Arial"/>
             </a:endParaRPr>
           </a:p>
@@ -745,10 +757,12 @@
           </a:prstGeom>
         </p:spPr>
         <p:txBody>
-          <a:bodyPr lIns="0" rIns="0" tIns="0" bIns="0" anchor="ctr"/>
+          <a:bodyPr lIns="0" rIns="0" tIns="0" bIns="0" anchor="ctr">
+            <a:spAutoFit/>
+          </a:bodyPr>
           <a:p>
             <a:pPr algn="ctr"/>
-            <a:endParaRPr b="0" lang="fr-BE" sz="4400" spc="-1" strike="noStrike">
+            <a:endParaRPr b="0" lang="fr-FR" sz="4400" spc="-1" strike="noStrike">
               <a:latin typeface="Arial"/>
             </a:endParaRPr>
           </a:p>
@@ -778,7 +792,7 @@
             <a:normAutofit/>
           </a:bodyPr>
           <a:p>
-            <a:endParaRPr b="0" lang="fr-BE" sz="3200" spc="-1" strike="noStrike">
+            <a:endParaRPr b="0" lang="fr-FR" sz="3200" spc="-1" strike="noStrike">
               <a:latin typeface="Arial"/>
             </a:endParaRPr>
           </a:p>
@@ -808,7 +822,7 @@
             <a:normAutofit/>
           </a:bodyPr>
           <a:p>
-            <a:endParaRPr b="0" lang="fr-BE" sz="3200" spc="-1" strike="noStrike">
+            <a:endParaRPr b="0" lang="fr-FR" sz="3200" spc="-1" strike="noStrike">
               <a:latin typeface="Arial"/>
             </a:endParaRPr>
           </a:p>
@@ -856,10 +870,12 @@
           </a:prstGeom>
         </p:spPr>
         <p:txBody>
-          <a:bodyPr lIns="0" rIns="0" tIns="0" bIns="0" anchor="ctr"/>
+          <a:bodyPr lIns="0" rIns="0" tIns="0" bIns="0" anchor="ctr">
+            <a:spAutoFit/>
+          </a:bodyPr>
           <a:p>
             <a:pPr algn="ctr"/>
-            <a:endParaRPr b="0" lang="fr-BE" sz="4400" spc="-1" strike="noStrike">
+            <a:endParaRPr b="0" lang="fr-FR" sz="4400" spc="-1" strike="noStrike">
               <a:latin typeface="Arial"/>
             </a:endParaRPr>
           </a:p>
@@ -907,10 +923,12 @@
           </a:prstGeom>
         </p:spPr>
         <p:txBody>
-          <a:bodyPr lIns="0" rIns="0" tIns="0" bIns="0" anchor="ctr"/>
+          <a:bodyPr lIns="0" rIns="0" tIns="0" bIns="0" anchor="ctr">
+            <a:spAutoFit/>
+          </a:bodyPr>
           <a:p>
             <a:pPr algn="ctr"/>
-            <a:endParaRPr b="0" lang="fr-BE" sz="3200" spc="-1" strike="noStrike">
+            <a:endParaRPr b="0" lang="fr-FR" sz="3200" spc="-1" strike="noStrike">
               <a:latin typeface="Arial"/>
             </a:endParaRPr>
           </a:p>
@@ -958,10 +976,12 @@
           </a:prstGeom>
         </p:spPr>
         <p:txBody>
-          <a:bodyPr lIns="0" rIns="0" tIns="0" bIns="0" anchor="ctr"/>
+          <a:bodyPr lIns="0" rIns="0" tIns="0" bIns="0" anchor="ctr">
+            <a:spAutoFit/>
+          </a:bodyPr>
           <a:p>
             <a:pPr algn="ctr"/>
-            <a:endParaRPr b="0" lang="fr-BE" sz="4400" spc="-1" strike="noStrike">
+            <a:endParaRPr b="0" lang="fr-FR" sz="4400" spc="-1" strike="noStrike">
               <a:latin typeface="Arial"/>
             </a:endParaRPr>
           </a:p>
@@ -991,7 +1011,7 @@
             <a:normAutofit/>
           </a:bodyPr>
           <a:p>
-            <a:endParaRPr b="0" lang="fr-BE" sz="3200" spc="-1" strike="noStrike">
+            <a:endParaRPr b="0" lang="fr-FR" sz="3200" spc="-1" strike="noStrike">
               <a:latin typeface="Arial"/>
             </a:endParaRPr>
           </a:p>
@@ -1021,7 +1041,7 @@
             <a:normAutofit/>
           </a:bodyPr>
           <a:p>
-            <a:endParaRPr b="0" lang="fr-BE" sz="3200" spc="-1" strike="noStrike">
+            <a:endParaRPr b="0" lang="fr-FR" sz="3200" spc="-1" strike="noStrike">
               <a:latin typeface="Arial"/>
             </a:endParaRPr>
           </a:p>
@@ -1051,7 +1071,7 @@
             <a:normAutofit/>
           </a:bodyPr>
           <a:p>
-            <a:endParaRPr b="0" lang="fr-BE" sz="3200" spc="-1" strike="noStrike">
+            <a:endParaRPr b="0" lang="fr-FR" sz="3200" spc="-1" strike="noStrike">
               <a:latin typeface="Arial"/>
             </a:endParaRPr>
           </a:p>
@@ -1099,10 +1119,12 @@
           </a:prstGeom>
         </p:spPr>
         <p:txBody>
-          <a:bodyPr lIns="0" rIns="0" tIns="0" bIns="0" anchor="ctr"/>
+          <a:bodyPr lIns="0" rIns="0" tIns="0" bIns="0" anchor="ctr">
+            <a:spAutoFit/>
+          </a:bodyPr>
           <a:p>
             <a:pPr algn="ctr"/>
-            <a:endParaRPr b="0" lang="fr-BE" sz="4400" spc="-1" strike="noStrike">
+            <a:endParaRPr b="0" lang="fr-FR" sz="4400" spc="-1" strike="noStrike">
               <a:latin typeface="Arial"/>
             </a:endParaRPr>
           </a:p>
@@ -1132,7 +1154,7 @@
             <a:normAutofit/>
           </a:bodyPr>
           <a:p>
-            <a:endParaRPr b="0" lang="fr-BE" sz="3200" spc="-1" strike="noStrike">
+            <a:endParaRPr b="0" lang="fr-FR" sz="3200" spc="-1" strike="noStrike">
               <a:latin typeface="Arial"/>
             </a:endParaRPr>
           </a:p>
@@ -1162,7 +1184,7 @@
             <a:normAutofit/>
           </a:bodyPr>
           <a:p>
-            <a:endParaRPr b="0" lang="fr-BE" sz="3200" spc="-1" strike="noStrike">
+            <a:endParaRPr b="0" lang="fr-FR" sz="3200" spc="-1" strike="noStrike">
               <a:latin typeface="Arial"/>
             </a:endParaRPr>
           </a:p>
@@ -1192,7 +1214,7 @@
             <a:normAutofit/>
           </a:bodyPr>
           <a:p>
-            <a:endParaRPr b="0" lang="fr-BE" sz="3200" spc="-1" strike="noStrike">
+            <a:endParaRPr b="0" lang="fr-FR" sz="3200" spc="-1" strike="noStrike">
               <a:latin typeface="Arial"/>
             </a:endParaRPr>
           </a:p>
@@ -1240,10 +1262,12 @@
           </a:prstGeom>
         </p:spPr>
         <p:txBody>
-          <a:bodyPr lIns="0" rIns="0" tIns="0" bIns="0" anchor="ctr"/>
+          <a:bodyPr lIns="0" rIns="0" tIns="0" bIns="0" anchor="ctr">
+            <a:spAutoFit/>
+          </a:bodyPr>
           <a:p>
             <a:pPr algn="ctr"/>
-            <a:endParaRPr b="0" lang="fr-BE" sz="4400" spc="-1" strike="noStrike">
+            <a:endParaRPr b="0" lang="fr-FR" sz="4400" spc="-1" strike="noStrike">
               <a:latin typeface="Arial"/>
             </a:endParaRPr>
           </a:p>
@@ -1273,7 +1297,7 @@
             <a:normAutofit/>
           </a:bodyPr>
           <a:p>
-            <a:endParaRPr b="0" lang="fr-BE" sz="3200" spc="-1" strike="noStrike">
+            <a:endParaRPr b="0" lang="fr-FR" sz="3200" spc="-1" strike="noStrike">
               <a:latin typeface="Arial"/>
             </a:endParaRPr>
           </a:p>
@@ -1303,7 +1327,7 @@
             <a:normAutofit/>
           </a:bodyPr>
           <a:p>
-            <a:endParaRPr b="0" lang="fr-BE" sz="3200" spc="-1" strike="noStrike">
+            <a:endParaRPr b="0" lang="fr-FR" sz="3200" spc="-1" strike="noStrike">
               <a:latin typeface="Arial"/>
             </a:endParaRPr>
           </a:p>
@@ -1333,7 +1357,7 @@
             <a:normAutofit/>
           </a:bodyPr>
           <a:p>
-            <a:endParaRPr b="0" lang="fr-BE" sz="3200" spc="-1" strike="noStrike">
+            <a:endParaRPr b="0" lang="fr-FR" sz="3200" spc="-1" strike="noStrike">
               <a:latin typeface="Arial"/>
             </a:endParaRPr>
           </a:p>
@@ -1388,16 +1412,18 @@
           </a:prstGeom>
         </p:spPr>
         <p:txBody>
-          <a:bodyPr lIns="0" rIns="0" tIns="0" bIns="0" anchor="ctr"/>
+          <a:bodyPr lIns="0" rIns="0" tIns="0" bIns="0" anchor="ctr">
+            <a:noAutofit/>
+          </a:bodyPr>
           <a:p>
             <a:pPr algn="ctr"/>
             <a:r>
-              <a:rPr b="0" lang="fr-BE" sz="4400" spc="-1" strike="noStrike">
+              <a:rPr b="0" lang="fr-FR" sz="4400" spc="-1" strike="noStrike">
                 <a:latin typeface="Arial"/>
               </a:rPr>
-              <a:t>Click to edit the title text format</a:t>
+              <a:t>Cliquez pour éditer le format du texte-titre</a:t>
             </a:r>
-            <a:endParaRPr b="0" lang="fr-BE" sz="4400" spc="-1" strike="noStrike">
+            <a:endParaRPr b="0" lang="fr-FR" sz="4400" spc="-1" strike="noStrike">
               <a:latin typeface="Arial"/>
             </a:endParaRPr>
           </a:p>
@@ -1439,12 +1465,12 @@
               <a:buChar char=""/>
             </a:pPr>
             <a:r>
-              <a:rPr b="0" lang="fr-BE" sz="3200" spc="-1" strike="noStrike">
+              <a:rPr b="0" lang="fr-FR" sz="3200" spc="-1" strike="noStrike">
                 <a:latin typeface="Arial"/>
               </a:rPr>
-              <a:t>Click to edit the outline text format</a:t>
+              <a:t>Cliquez pour éditer le format du plan de texte</a:t>
             </a:r>
-            <a:endParaRPr b="0" lang="fr-BE" sz="3200" spc="-1" strike="noStrike">
+            <a:endParaRPr b="0" lang="fr-FR" sz="3200" spc="-1" strike="noStrike">
               <a:latin typeface="Arial"/>
             </a:endParaRPr>
           </a:p>
@@ -1461,12 +1487,12 @@
               <a:buChar char=""/>
             </a:pPr>
             <a:r>
-              <a:rPr b="0" lang="fr-BE" sz="2800" spc="-1" strike="noStrike">
+              <a:rPr b="0" lang="fr-FR" sz="2800" spc="-1" strike="noStrike">
                 <a:latin typeface="Arial"/>
               </a:rPr>
-              <a:t>Second Outline Level</a:t>
+              <a:t>Second niveau de plan</a:t>
             </a:r>
-            <a:endParaRPr b="0" lang="fr-BE" sz="2800" spc="-1" strike="noStrike">
+            <a:endParaRPr b="0" lang="fr-FR" sz="2800" spc="-1" strike="noStrike">
               <a:latin typeface="Arial"/>
             </a:endParaRPr>
           </a:p>
@@ -1483,12 +1509,12 @@
               <a:buChar char=""/>
             </a:pPr>
             <a:r>
-              <a:rPr b="0" lang="fr-BE" sz="2400" spc="-1" strike="noStrike">
+              <a:rPr b="0" lang="fr-FR" sz="2400" spc="-1" strike="noStrike">
                 <a:latin typeface="Arial"/>
               </a:rPr>
-              <a:t>Third Outline Level</a:t>
+              <a:t>Troisième niveau de plan</a:t>
             </a:r>
-            <a:endParaRPr b="0" lang="fr-BE" sz="2400" spc="-1" strike="noStrike">
+            <a:endParaRPr b="0" lang="fr-FR" sz="2400" spc="-1" strike="noStrike">
               <a:latin typeface="Arial"/>
             </a:endParaRPr>
           </a:p>
@@ -1505,12 +1531,12 @@
               <a:buChar char=""/>
             </a:pPr>
             <a:r>
-              <a:rPr b="0" lang="fr-BE" sz="2000" spc="-1" strike="noStrike">
+              <a:rPr b="0" lang="fr-FR" sz="2000" spc="-1" strike="noStrike">
                 <a:latin typeface="Arial"/>
               </a:rPr>
-              <a:t>Fourth Outline Level</a:t>
+              <a:t>Quatrième niveau de plan</a:t>
             </a:r>
-            <a:endParaRPr b="0" lang="fr-BE" sz="2000" spc="-1" strike="noStrike">
+            <a:endParaRPr b="0" lang="fr-FR" sz="2000" spc="-1" strike="noStrike">
               <a:latin typeface="Arial"/>
             </a:endParaRPr>
           </a:p>
@@ -1527,12 +1553,12 @@
               <a:buChar char=""/>
             </a:pPr>
             <a:r>
-              <a:rPr b="0" lang="fr-BE" sz="2000" spc="-1" strike="noStrike">
+              <a:rPr b="0" lang="fr-FR" sz="2000" spc="-1" strike="noStrike">
                 <a:latin typeface="Arial"/>
               </a:rPr>
-              <a:t>Fifth Outline Level</a:t>
+              <a:t>Cinquième niveau de plan</a:t>
             </a:r>
-            <a:endParaRPr b="0" lang="fr-BE" sz="2000" spc="-1" strike="noStrike">
+            <a:endParaRPr b="0" lang="fr-FR" sz="2000" spc="-1" strike="noStrike">
               <a:latin typeface="Arial"/>
             </a:endParaRPr>
           </a:p>
@@ -1549,12 +1575,12 @@
               <a:buChar char=""/>
             </a:pPr>
             <a:r>
-              <a:rPr b="0" lang="fr-BE" sz="2000" spc="-1" strike="noStrike">
+              <a:rPr b="0" lang="fr-FR" sz="2000" spc="-1" strike="noStrike">
                 <a:latin typeface="Arial"/>
               </a:rPr>
-              <a:t>Sixth Outline Level</a:t>
+              <a:t>Sixième niveau de plan</a:t>
             </a:r>
-            <a:endParaRPr b="0" lang="fr-BE" sz="2000" spc="-1" strike="noStrike">
+            <a:endParaRPr b="0" lang="fr-FR" sz="2000" spc="-1" strike="noStrike">
               <a:latin typeface="Arial"/>
             </a:endParaRPr>
           </a:p>
@@ -1571,12 +1597,12 @@
               <a:buChar char=""/>
             </a:pPr>
             <a:r>
-              <a:rPr b="0" lang="fr-BE" sz="2000" spc="-1" strike="noStrike">
+              <a:rPr b="0" lang="fr-FR" sz="2000" spc="-1" strike="noStrike">
                 <a:latin typeface="Arial"/>
               </a:rPr>
-              <a:t>Seventh Outline Level</a:t>
+              <a:t>Septième niveau de plan</a:t>
             </a:r>
-            <a:endParaRPr b="0" lang="fr-BE" sz="2000" spc="-1" strike="noStrike">
+            <a:endParaRPr b="0" lang="fr-FR" sz="2000" spc="-1" strike="noStrike">
               <a:latin typeface="Arial"/>
             </a:endParaRPr>
           </a:p>
@@ -1628,7 +1654,7 @@
         <p:spPr>
           <a:xfrm>
             <a:off x="1301040" y="5760000"/>
-            <a:ext cx="16050960" cy="21960000"/>
+            <a:ext cx="16050600" cy="21959640"/>
           </a:xfrm>
           <a:prstGeom prst="rect">
             <a:avLst/>
@@ -1645,7 +1671,9 @@
           <a:fontRef idx="minor"/>
         </p:style>
         <p:txBody>
-          <a:bodyPr lIns="90000" rIns="90000" tIns="45000" bIns="45000"/>
+          <a:bodyPr lIns="90000" rIns="90000" tIns="45000" bIns="45000">
+            <a:noAutofit/>
+          </a:bodyPr>
           <a:p>
             <a:pPr>
               <a:lnSpc>
@@ -1653,7 +1681,7 @@
               </a:lnSpc>
             </a:pPr>
             <a:r>
-              <a:rPr b="1" lang="fr-BE" sz="5000" spc="-1" strike="noStrike">
+              <a:rPr b="1" lang="fr-FR" sz="5000" spc="-1" strike="noStrike">
                 <a:solidFill>
                   <a:srgbClr val="6c5098"/>
                 </a:solidFill>
@@ -1662,7 +1690,7 @@
               </a:rPr>
               <a:t>Comment modéliser une épidémie ?</a:t>
             </a:r>
-            <a:endParaRPr b="0" lang="fr-BE" sz="5000" spc="-1" strike="noStrike">
+            <a:endParaRPr b="0" lang="fr-FR" sz="5000" spc="-1" strike="noStrike">
               <a:latin typeface="Arial"/>
             </a:endParaRPr>
           </a:p>
@@ -1673,16 +1701,16 @@
               </a:lnSpc>
             </a:pPr>
             <a:r>
-              <a:rPr b="0" lang="fr-BE" sz="5000" spc="-1" strike="noStrike">
+              <a:rPr b="0" lang="fr-FR" sz="5000" spc="-1" strike="noStrike">
                 <a:solidFill>
                   <a:srgbClr val="000000"/>
                 </a:solidFill>
                 <a:latin typeface="Arial"/>
                 <a:ea typeface="ＭＳ Ｐゴシック"/>
               </a:rPr>
-              <a:t>Il existe de nombreux modèles qui permettent de simuler une épidémie. Nous présentons ici 6 modèles compartimentaux. Un tel modèle est représenté par les différents états possibles d’une personne. Nous présentons ici les modèles sous forme de graphe, chaque nœud est l’état d’une personne, et les arcs sont les transitions possibles (ayant pour poids une probabilité de cette transition). Un modèle assez simple et intuitif est le modèle « SIS », une personne est saine, ou infectée, avec possibilité de passer d’un état à l ‘autre.</a:t>
+              <a:t>Il existe de nombreux modèles qui permettent de simuler une épidémie. Nous présentons ici 6 modèles compartimentaux. Un tel modèle est représenté par les différents états possibles d’une personne. Il est commun de présenter ces modèles sous forme de graphe, chaque nœud est l’état d’une personne, et les arcs sont les transitions possibles (ayant pour poids une probabilité de cette transition). Un modèle assez simple et intuitif est le modèle « SIS », une personne est saine, ou infectée, avec possibilité de passer d’un état à l ‘autre.</a:t>
             </a:r>
-            <a:endParaRPr b="0" lang="fr-BE" sz="5000" spc="-1" strike="noStrike">
+            <a:endParaRPr b="0" lang="fr-FR" sz="5000" spc="-1" strike="noStrike">
               <a:latin typeface="Arial"/>
             </a:endParaRPr>
           </a:p>
@@ -1693,7 +1721,7 @@
               </a:lnSpc>
             </a:pPr>
             <a:r>
-              <a:rPr b="1" lang="fr-BE" sz="4400" spc="-1" strike="noStrike">
+              <a:rPr b="1" lang="fr-FR" sz="4400" spc="-1" strike="noStrike">
                 <a:solidFill>
                   <a:srgbClr val="92d050"/>
                 </a:solidFill>
@@ -1702,7 +1730,7 @@
               </a:rPr>
               <a:t>Paramètres d’un modèle</a:t>
             </a:r>
-            <a:endParaRPr b="0" lang="fr-BE" sz="4400" spc="-1" strike="noStrike">
+            <a:endParaRPr b="0" lang="fr-FR" sz="4400" spc="-1" strike="noStrike">
               <a:latin typeface="Arial"/>
             </a:endParaRPr>
           </a:p>
@@ -1713,7 +1741,7 @@
               </a:lnSpc>
             </a:pPr>
             <a:r>
-              <a:rPr b="0" lang="fr-BE" sz="5000" spc="-1" strike="noStrike">
+              <a:rPr b="0" lang="fr-FR" sz="5000" spc="-1" strike="noStrike">
                 <a:solidFill>
                   <a:srgbClr val="000000"/>
                 </a:solidFill>
@@ -1722,7 +1750,7 @@
               </a:rPr>
               <a:t>Le choix d’un modèle n’est pas suffisant pour simuler une épidémie, il faut en plus définir un certain nombre de paramètres. Nous pouvons séparer ces paramètres en 2 catégories : Les paramètres initiaux indiquent le nombre de personnes dans chaque état à l’instant initial , et les probabilités de passer d’un état à un autre.</a:t>
             </a:r>
-            <a:endParaRPr b="0" lang="fr-BE" sz="5000" spc="-1" strike="noStrike">
+            <a:endParaRPr b="0" lang="fr-FR" sz="5000" spc="-1" strike="noStrike">
               <a:latin typeface="Arial"/>
             </a:endParaRPr>
           </a:p>
@@ -1736,8 +1764,8 @@
         </p:nvSpPr>
         <p:spPr>
           <a:xfrm rot="16200000">
-            <a:off x="-21167280" y="21133080"/>
-            <a:ext cx="43626240" cy="1310760"/>
+            <a:off x="-21167280" y="21133440"/>
+            <a:ext cx="43625880" cy="1310400"/>
           </a:xfrm>
           <a:prstGeom prst="rect">
             <a:avLst/>
@@ -1756,7 +1784,9 @@
           <a:fontRef idx="minor"/>
         </p:style>
         <p:txBody>
-          <a:bodyPr lIns="90000" rIns="90000" tIns="45000" bIns="45000" anchor="ctr"/>
+          <a:bodyPr lIns="90000" rIns="90000" tIns="45000" bIns="45000" anchor="ctr">
+            <a:noAutofit/>
+          </a:bodyPr>
           <a:p>
             <a:pPr algn="ctr">
               <a:lnSpc>
@@ -1767,7 +1797,7 @@
               </a:spcAft>
             </a:pPr>
             <a:r>
-              <a:rPr b="1" lang="fr-BE" sz="6600" spc="-1" strike="noStrike">
+              <a:rPr b="1" lang="fr-FR" sz="6600" spc="-1" strike="noStrike">
                 <a:solidFill>
                   <a:srgbClr val="ffffff"/>
                 </a:solidFill>
@@ -1777,7 +1807,7 @@
               <a:t>UNIVERSITÉ LIBRE DE BRUXELLES</a:t>
             </a:r>
             <a:r>
-              <a:rPr b="0" lang="fr-BE" sz="6600" spc="-1" strike="noStrike">
+              <a:rPr b="0" lang="fr-FR" sz="6600" spc="-1" strike="noStrike">
                 <a:solidFill>
                   <a:srgbClr val="ffffff"/>
                 </a:solidFill>
@@ -1787,7 +1817,7 @@
               <a:t> - </a:t>
             </a:r>
             <a:r>
-              <a:rPr b="1" lang="fr-BE" sz="6600" spc="-1" strike="noStrike">
+              <a:rPr b="1" lang="fr-FR" sz="6600" spc="-1" strike="noStrike">
                 <a:solidFill>
                   <a:srgbClr val="ffffff"/>
                 </a:solidFill>
@@ -1796,7 +1826,7 @@
               </a:rPr>
               <a:t>FACULTÉ DES SCIENCES</a:t>
             </a:r>
-            <a:endParaRPr b="0" lang="fr-BE" sz="6600" spc="-1" strike="noStrike">
+            <a:endParaRPr b="0" lang="fr-FR" sz="6600" spc="-1" strike="noStrike">
               <a:latin typeface="Arial"/>
             </a:endParaRPr>
           </a:p>
@@ -1815,7 +1845,7 @@
         <p:spPr>
           <a:xfrm>
             <a:off x="30203640" y="40878000"/>
-            <a:ext cx="2606040" cy="2606040"/>
+            <a:ext cx="2605680" cy="2605680"/>
           </a:xfrm>
           <a:prstGeom prst="rect">
             <a:avLst/>
@@ -1838,7 +1868,7 @@
         <p:spPr>
           <a:xfrm>
             <a:off x="25725600" y="40611600"/>
-            <a:ext cx="4260240" cy="2985480"/>
+            <a:ext cx="4259880" cy="2985120"/>
           </a:xfrm>
           <a:prstGeom prst="rect">
             <a:avLst/>
@@ -1857,7 +1887,7 @@
         <p:spPr>
           <a:xfrm>
             <a:off x="1832040" y="42858000"/>
-            <a:ext cx="21965400" cy="956880"/>
+            <a:ext cx="21965040" cy="956520"/>
           </a:xfrm>
           <a:prstGeom prst="rect">
             <a:avLst/>
@@ -1874,7 +1904,9 @@
           <a:fontRef idx="minor"/>
         </p:style>
         <p:txBody>
-          <a:bodyPr lIns="90000" rIns="90000" tIns="45000" bIns="45000"/>
+          <a:bodyPr lIns="90000" rIns="90000" tIns="45000" bIns="45000">
+            <a:noAutofit/>
+          </a:bodyPr>
           <a:p>
             <a:pPr algn="ctr">
               <a:lnSpc>
@@ -1882,7 +1914,7 @@
               </a:lnSpc>
             </a:pPr>
             <a:r>
-              <a:rPr b="0" lang="fr-BE" sz="1900" spc="-1" strike="noStrike">
+              <a:rPr b="0" lang="fr-FR" sz="1900" spc="-1" strike="noStrike">
                 <a:solidFill>
                   <a:srgbClr val="000000"/>
                 </a:solidFill>
@@ -1893,7 +1925,7 @@
             </a:r>
             <a:br/>
             <a:r>
-              <a:rPr b="0" lang="fr-BE" sz="1900" spc="-1" strike="noStrike">
+              <a:rPr b="0" lang="fr-FR" sz="1900" spc="-1" strike="noStrike">
                 <a:solidFill>
                   <a:srgbClr val="000000"/>
                 </a:solidFill>
@@ -1902,7 +1934,7 @@
               </a:rPr>
               <a:t>ainsi que la mention « Printemps des Sciences 2018 – Exposition des Sciences – Bruxelles »</a:t>
             </a:r>
-            <a:endParaRPr b="0" lang="fr-BE" sz="1900" spc="-1" strike="noStrike">
+            <a:endParaRPr b="0" lang="fr-FR" sz="1900" spc="-1" strike="noStrike">
               <a:latin typeface="Arial"/>
             </a:endParaRPr>
           </a:p>
@@ -1912,7 +1944,7 @@
                 <a:spcPct val="100000"/>
               </a:lnSpc>
             </a:pPr>
-            <a:endParaRPr b="0" lang="fr-BE" sz="1900" spc="-1" strike="noStrike">
+            <a:endParaRPr b="0" lang="fr-FR" sz="1900" spc="-1" strike="noStrike">
               <a:latin typeface="Arial"/>
             </a:endParaRPr>
           </a:p>
@@ -1927,7 +1959,7 @@
         <p:spPr>
           <a:xfrm>
             <a:off x="15151320" y="820800"/>
-            <a:ext cx="17667360" cy="819720"/>
+            <a:ext cx="17667000" cy="819360"/>
           </a:xfrm>
           <a:prstGeom prst="rect">
             <a:avLst/>
@@ -1944,7 +1976,9 @@
           <a:fontRef idx="minor"/>
         </p:style>
         <p:txBody>
-          <a:bodyPr wrap="none" lIns="90000" rIns="90000" tIns="45000" bIns="45000"/>
+          <a:bodyPr wrap="none" lIns="90000" rIns="90000" tIns="45000" bIns="45000">
+            <a:noAutofit/>
+          </a:bodyPr>
           <a:p>
             <a:pPr algn="ctr">
               <a:lnSpc>
@@ -1955,7 +1989,7 @@
               </a:spcAft>
             </a:pPr>
             <a:r>
-              <a:rPr b="1" lang="fr-BE" sz="4800" spc="-1" strike="noStrike">
+              <a:rPr b="1" lang="fr-FR" sz="4800" spc="-1" strike="noStrike">
                 <a:solidFill>
                   <a:srgbClr val="6c5098"/>
                 </a:solidFill>
@@ -1964,7 +1998,7 @@
               </a:rPr>
               <a:t>Modélisation et simulation de la propagation d’une épidémie</a:t>
             </a:r>
-            <a:endParaRPr b="0" lang="fr-BE" sz="4800" spc="-1" strike="noStrike">
+            <a:endParaRPr b="0" lang="fr-FR" sz="4800" spc="-1" strike="noStrike">
               <a:latin typeface="Arial"/>
             </a:endParaRPr>
           </a:p>
@@ -1983,7 +2017,7 @@
         <p:spPr>
           <a:xfrm>
             <a:off x="2202120" y="918360"/>
-            <a:ext cx="4885920" cy="4885920"/>
+            <a:ext cx="4885560" cy="4885560"/>
           </a:xfrm>
           <a:prstGeom prst="rect">
             <a:avLst/>
@@ -2001,8 +2035,8 @@
         </p:nvSpPr>
         <p:spPr>
           <a:xfrm>
-            <a:off x="1301040" y="26712000"/>
-            <a:ext cx="31598280" cy="6048000"/>
+            <a:off x="1300680" y="27288000"/>
+            <a:ext cx="31597920" cy="5544000"/>
           </a:xfrm>
           <a:prstGeom prst="rect">
             <a:avLst/>
@@ -2019,14 +2053,16 @@
           <a:fontRef idx="minor"/>
         </p:style>
         <p:txBody>
-          <a:bodyPr lIns="90000" rIns="90000" tIns="45000" bIns="45000"/>
+          <a:bodyPr lIns="90000" rIns="90000" tIns="45000" bIns="45000">
+            <a:noAutofit/>
+          </a:bodyPr>
           <a:p>
             <a:pPr>
               <a:lnSpc>
                 <a:spcPct val="150000"/>
               </a:lnSpc>
             </a:pPr>
-            <a:endParaRPr b="0" lang="fr-BE" sz="1800" spc="-1" strike="noStrike">
+            <a:endParaRPr b="0" lang="fr-FR" sz="1800" spc="-1" strike="noStrike">
               <a:latin typeface="Arial"/>
             </a:endParaRPr>
           </a:p>
@@ -2037,56 +2073,16 @@
               </a:lnSpc>
             </a:pPr>
             <a:r>
-              <a:rPr b="0" lang="fr-BE" sz="5000" spc="-1" strike="noStrike">
+              <a:rPr b="0" lang="fr-FR" sz="5000" spc="-1" strike="noStrike">
                 <a:solidFill>
                   <a:srgbClr val="000000"/>
                 </a:solidFill>
                 <a:latin typeface="Arial"/>
                 <a:ea typeface="ＭＳ Ｐゴシック"/>
               </a:rPr>
-              <a:t>Exemple : avec le modèle « SIR » nous pouvons simuler le cas ou il y a </a:t>
+              <a:t>Exemple : avec le modèle « SIR » nous pouvons simuler le cas ou il y a initialement 999 personnes saines, une personne infectée et 0 personnes rétablies (et donc, dans une population totale de 1000 personnes). Si une personne saine a 0,2 % de chance de devenir infectée, et une personne infectée à 0,1 % de chance de guérir, nous obtenons les résultats suivants : </a:t>
             </a:r>
-            <a:r>
-              <a:rPr b="0" lang="fr-BE" sz="5000" spc="-1" strike="noStrike">
-                <a:solidFill>
-                  <a:srgbClr val="000000"/>
-                </a:solidFill>
-                <a:latin typeface="Arial"/>
-                <a:ea typeface="ＭＳ Ｐゴシック"/>
-              </a:rPr>
-              <a:t>initialement 999 personnes saines, une personne infectée et 0 personnes </a:t>
-            </a:r>
-            <a:r>
-              <a:rPr b="0" lang="fr-BE" sz="5000" spc="-1" strike="noStrike">
-                <a:solidFill>
-                  <a:srgbClr val="000000"/>
-                </a:solidFill>
-                <a:latin typeface="Arial"/>
-                <a:ea typeface="ＭＳ Ｐゴシック"/>
-              </a:rPr>
-              <a:t>rétablies (et donc, dans une population totale de 1000 personnes). Si une </a:t>
-            </a:r>
-            <a:r>
-              <a:rPr b="0" lang="fr-BE" sz="5000" spc="-1" strike="noStrike">
-                <a:solidFill>
-                  <a:srgbClr val="000000"/>
-                </a:solidFill>
-                <a:latin typeface="Arial"/>
-                <a:ea typeface="ＭＳ Ｐゴシック"/>
-              </a:rPr>
-              <a:t>personne saine a 0,2 % de chance de devenir infectée, et une personne </a:t>
-            </a:r>
-            <a:r>
-              <a:rPr b="0" lang="fr-BE" sz="5000" spc="-1" strike="noStrike">
-                <a:solidFill>
-                  <a:srgbClr val="000000"/>
-                </a:solidFill>
-                <a:latin typeface="Arial"/>
-                <a:ea typeface="ＭＳ Ｐゴシック"/>
-              </a:rPr>
-              <a:t>infectée à 0,1 % de chance de guérir, nous obtenons les résultats suivants : </a:t>
-            </a:r>
-            <a:endParaRPr b="0" lang="fr-BE" sz="5000" spc="-1" strike="noStrike">
+            <a:endParaRPr b="0" lang="fr-FR" sz="5000" spc="-1" strike="noStrike">
               <a:latin typeface="Arial"/>
             </a:endParaRPr>
           </a:p>
@@ -2096,7 +2092,7 @@
                 <a:spcPct val="150000"/>
               </a:lnSpc>
             </a:pPr>
-            <a:endParaRPr b="0" lang="fr-BE" sz="5000" spc="-1" strike="noStrike">
+            <a:endParaRPr b="0" lang="fr-FR" sz="5000" spc="-1" strike="noStrike">
               <a:latin typeface="Arial"/>
             </a:endParaRPr>
           </a:p>
@@ -2115,7 +2111,7 @@
         <p:spPr>
           <a:xfrm>
             <a:off x="17928000" y="7200000"/>
-            <a:ext cx="14971320" cy="20481480"/>
+            <a:ext cx="14970960" cy="20481120"/>
           </a:xfrm>
           <a:prstGeom prst="rect">
             <a:avLst/>
@@ -2138,7 +2134,7 @@
         <p:spPr>
           <a:xfrm>
             <a:off x="1414440" y="32256000"/>
-            <a:ext cx="24793560" cy="9878040"/>
+            <a:ext cx="24793200" cy="9877680"/>
           </a:xfrm>
           <a:prstGeom prst="rect">
             <a:avLst/>
@@ -2150,33 +2146,14 @@
       </p:pic>
     </p:spTree>
   </p:cSld>
-  <p:timing>
-    <p:tnLst>
-      <p:par>
-        <p:cTn id="1" dur="indefinite" restart="never" nodeType="tmRoot">
-          <p:childTnLst>
-            <p:seq>
-              <p:cTn id="2" dur="indefinite" nodeType="mainSeq"/>
-              <p:prevCondLst>
-                <p:cond delay="0" evt="onPrev">
-                  <p:tgtEl>
-                    <p:sldTgt/>
-                  </p:tgtEl>
-                </p:cond>
-              </p:prevCondLst>
-              <p:nextCondLst>
-                <p:cond delay="0" evt="onNext">
-                  <p:tgtEl>
-                    <p:sldTgt/>
-                  </p:tgtEl>
-                </p:cond>
-              </p:nextCondLst>
-            </p:seq>
-          </p:childTnLst>
-        </p:cTn>
-      </p:par>
-    </p:tnLst>
-  </p:timing>
+  <mc:AlternateContent>
+    <mc:Choice Requires="p14">
+      <p:transition spd="slow" p14:dur="2000"/>
+    </mc:Choice>
+    <mc:Fallback>
+      <p:transition spd="slow"/>
+    </mc:Fallback>
+  </mc:AlternateContent>
 </p:sld>
 </file>
 
@@ -2294,18 +2271,21 @@
             </a:schemeClr>
           </a:solidFill>
           <a:prstDash val="solid"/>
+          <a:miter/>
         </a:ln>
         <a:ln w="25400" cap="flat" cmpd="sng" algn="ctr">
           <a:solidFill>
             <a:schemeClr val="phClr"/>
           </a:solidFill>
           <a:prstDash val="solid"/>
+          <a:miter/>
         </a:ln>
         <a:ln w="38100" cap="flat" cmpd="sng" algn="ctr">
           <a:solidFill>
             <a:schemeClr val="phClr"/>
           </a:solidFill>
           <a:prstDash val="solid"/>
+          <a:miter/>
         </a:ln>
       </a:lnStyleLst>
       <a:effectStyleLst>
